--- a/Task 3.pptx
+++ b/Task 3.pptx
@@ -13,6 +13,7 @@
     <p:sldId id="263" r:id="rId7"/>
     <p:sldId id="265" r:id="rId8"/>
     <p:sldId id="264" r:id="rId9"/>
+    <p:sldId id="266" r:id="rId10"/>
   </p:sldIdLst>
   <p:sldSz cx="12192000" cy="6858000"/>
   <p:notesSz cx="6858000" cy="9144000"/>
@@ -512,7 +513,7 @@
           <a:p>
             <a:fld id="{5FE1CFB4-4EC3-4B46-8D35-E8CFDF4A4890}" type="slidenum">
               <a:rPr lang="de-DE" smtClean="0"/>
-              <a:t>‹Nr.›</a:t>
+              <a:t>‹#›</a:t>
             </a:fld>
             <a:endParaRPr lang="de-DE"/>
           </a:p>
@@ -710,7 +711,7 @@
           <a:p>
             <a:fld id="{5FE1CFB4-4EC3-4B46-8D35-E8CFDF4A4890}" type="slidenum">
               <a:rPr lang="de-DE" smtClean="0"/>
-              <a:t>‹Nr.›</a:t>
+              <a:t>‹#›</a:t>
             </a:fld>
             <a:endParaRPr lang="de-DE"/>
           </a:p>
@@ -918,7 +919,7 @@
           <a:p>
             <a:fld id="{5FE1CFB4-4EC3-4B46-8D35-E8CFDF4A4890}" type="slidenum">
               <a:rPr lang="de-DE" smtClean="0"/>
-              <a:t>‹Nr.›</a:t>
+              <a:t>‹#›</a:t>
             </a:fld>
             <a:endParaRPr lang="de-DE"/>
           </a:p>
@@ -1116,7 +1117,7 @@
           <a:p>
             <a:fld id="{5FE1CFB4-4EC3-4B46-8D35-E8CFDF4A4890}" type="slidenum">
               <a:rPr lang="de-DE" smtClean="0"/>
-              <a:t>‹Nr.›</a:t>
+              <a:t>‹#›</a:t>
             </a:fld>
             <a:endParaRPr lang="de-DE"/>
           </a:p>
@@ -1391,7 +1392,7 @@
           <a:p>
             <a:fld id="{5FE1CFB4-4EC3-4B46-8D35-E8CFDF4A4890}" type="slidenum">
               <a:rPr lang="de-DE" smtClean="0"/>
-              <a:t>‹Nr.›</a:t>
+              <a:t>‹#›</a:t>
             </a:fld>
             <a:endParaRPr lang="de-DE"/>
           </a:p>
@@ -1656,7 +1657,7 @@
           <a:p>
             <a:fld id="{5FE1CFB4-4EC3-4B46-8D35-E8CFDF4A4890}" type="slidenum">
               <a:rPr lang="de-DE" smtClean="0"/>
-              <a:t>‹Nr.›</a:t>
+              <a:t>‹#›</a:t>
             </a:fld>
             <a:endParaRPr lang="de-DE"/>
           </a:p>
@@ -2068,7 +2069,7 @@
           <a:p>
             <a:fld id="{5FE1CFB4-4EC3-4B46-8D35-E8CFDF4A4890}" type="slidenum">
               <a:rPr lang="de-DE" smtClean="0"/>
-              <a:t>‹Nr.›</a:t>
+              <a:t>‹#›</a:t>
             </a:fld>
             <a:endParaRPr lang="de-DE"/>
           </a:p>
@@ -2209,7 +2210,7 @@
           <a:p>
             <a:fld id="{5FE1CFB4-4EC3-4B46-8D35-E8CFDF4A4890}" type="slidenum">
               <a:rPr lang="de-DE" smtClean="0"/>
-              <a:t>‹Nr.›</a:t>
+              <a:t>‹#›</a:t>
             </a:fld>
             <a:endParaRPr lang="de-DE"/>
           </a:p>
@@ -2322,7 +2323,7 @@
           <a:p>
             <a:fld id="{5FE1CFB4-4EC3-4B46-8D35-E8CFDF4A4890}" type="slidenum">
               <a:rPr lang="de-DE" smtClean="0"/>
-              <a:t>‹Nr.›</a:t>
+              <a:t>‹#›</a:t>
             </a:fld>
             <a:endParaRPr lang="de-DE"/>
           </a:p>
@@ -2633,7 +2634,7 @@
           <a:p>
             <a:fld id="{5FE1CFB4-4EC3-4B46-8D35-E8CFDF4A4890}" type="slidenum">
               <a:rPr lang="de-DE" smtClean="0"/>
-              <a:t>‹Nr.›</a:t>
+              <a:t>‹#›</a:t>
             </a:fld>
             <a:endParaRPr lang="de-DE"/>
           </a:p>
@@ -2921,7 +2922,7 @@
           <a:p>
             <a:fld id="{5FE1CFB4-4EC3-4B46-8D35-E8CFDF4A4890}" type="slidenum">
               <a:rPr lang="de-DE" smtClean="0"/>
-              <a:t>‹Nr.›</a:t>
+              <a:t>‹#›</a:t>
             </a:fld>
             <a:endParaRPr lang="de-DE"/>
           </a:p>
@@ -3198,7 +3199,7 @@
           <a:p>
             <a:fld id="{5FE1CFB4-4EC3-4B46-8D35-E8CFDF4A4890}" type="slidenum">
               <a:rPr lang="de-DE" smtClean="0"/>
-              <a:t>‹Nr.›</a:t>
+              <a:t>‹#›</a:t>
             </a:fld>
             <a:endParaRPr lang="de-DE"/>
           </a:p>
@@ -4055,7 +4056,7 @@
           <a:p>
             <a:r>
               <a:rPr lang="en-GB" sz="2000" dirty="0"/>
-              <a:t>Excluding the described samples form the 120.000 we ended up with 99.748, which is still enough for training and testing</a:t>
+              <a:t>Excluding the described samples from the 120.000 we ended up with 96.656, which is still enough for training and testing</a:t>
             </a:r>
           </a:p>
         </p:txBody>
@@ -4772,6 +4773,126 @@
     <p:extLst>
       <p:ext uri="{BB962C8B-B14F-4D97-AF65-F5344CB8AC3E}">
         <p14:creationId xmlns:p14="http://schemas.microsoft.com/office/powerpoint/2010/main" val="4100155615"/>
+      </p:ext>
+    </p:extLst>
+  </p:cSld>
+  <p:clrMapOvr>
+    <a:masterClrMapping/>
+  </p:clrMapOvr>
+</p:sld>
+</file>
+
+<file path=ppt/slides/slide9.xml><?xml version="1.0" encoding="utf-8"?>
+<p:sld xmlns:a="http://schemas.openxmlformats.org/drawingml/2006/main" xmlns:r="http://schemas.openxmlformats.org/officeDocument/2006/relationships" xmlns:p="http://schemas.openxmlformats.org/presentationml/2006/main">
+  <p:cSld>
+    <p:spTree>
+      <p:nvGrpSpPr>
+        <p:cNvPr id="1" name=""/>
+        <p:cNvGrpSpPr/>
+        <p:nvPr/>
+      </p:nvGrpSpPr>
+      <p:grpSpPr>
+        <a:xfrm>
+          <a:off x="0" y="0"/>
+          <a:ext cx="0" cy="0"/>
+          <a:chOff x="0" y="0"/>
+          <a:chExt cx="0" cy="0"/>
+        </a:xfrm>
+      </p:grpSpPr>
+      <p:sp>
+        <p:nvSpPr>
+          <p:cNvPr id="2" name="Title 1">
+            <a:extLst>
+              <a:ext uri="{FF2B5EF4-FFF2-40B4-BE49-F238E27FC236}">
+                <a16:creationId xmlns:a16="http://schemas.microsoft.com/office/drawing/2014/main" id="{BBDE8120-415F-D3C4-4575-EB5825A2F0D4}"/>
+              </a:ext>
+            </a:extLst>
+          </p:cNvPr>
+          <p:cNvSpPr>
+            <a:spLocks noGrp="1"/>
+          </p:cNvSpPr>
+          <p:nvPr>
+            <p:ph type="title"/>
+          </p:nvPr>
+        </p:nvSpPr>
+        <p:spPr/>
+        <p:txBody>
+          <a:bodyPr/>
+          <a:lstStyle/>
+          <a:p>
+            <a:r>
+              <a:rPr lang="de-DE"/>
+              <a:t>Random forest: Overfitting/Underfitting</a:t>
+            </a:r>
+          </a:p>
+        </p:txBody>
+      </p:sp>
+      <p:sp>
+        <p:nvSpPr>
+          <p:cNvPr id="3" name="Content Placeholder 2">
+            <a:extLst>
+              <a:ext uri="{FF2B5EF4-FFF2-40B4-BE49-F238E27FC236}">
+                <a16:creationId xmlns:a16="http://schemas.microsoft.com/office/drawing/2014/main" id="{1070DC16-1172-640E-4387-8389E71DAED7}"/>
+              </a:ext>
+            </a:extLst>
+          </p:cNvPr>
+          <p:cNvSpPr>
+            <a:spLocks noGrp="1"/>
+          </p:cNvSpPr>
+          <p:nvPr>
+            <p:ph sz="half" idx="1"/>
+          </p:nvPr>
+        </p:nvSpPr>
+        <p:spPr/>
+        <p:txBody>
+          <a:bodyPr/>
+          <a:lstStyle/>
+          <a:p>
+            <a:endParaRPr lang="de-DE"/>
+          </a:p>
+        </p:txBody>
+      </p:sp>
+      <p:sp>
+        <p:nvSpPr>
+          <p:cNvPr id="4" name="Content Placeholder 3">
+            <a:extLst>
+              <a:ext uri="{FF2B5EF4-FFF2-40B4-BE49-F238E27FC236}">
+                <a16:creationId xmlns:a16="http://schemas.microsoft.com/office/drawing/2014/main" id="{DB417A8C-684E-F866-2090-5BCBD83D5503}"/>
+              </a:ext>
+            </a:extLst>
+          </p:cNvPr>
+          <p:cNvSpPr>
+            <a:spLocks noGrp="1"/>
+          </p:cNvSpPr>
+          <p:nvPr>
+            <p:ph sz="half" idx="2"/>
+          </p:nvPr>
+        </p:nvSpPr>
+        <p:spPr/>
+        <p:txBody>
+          <a:bodyPr/>
+          <a:lstStyle/>
+          <a:p>
+            <a:r>
+              <a:rPr lang="de-DE" dirty="0"/>
+              <a:t>The plots show all different parameter combinations from the grid</a:t>
+            </a:r>
+          </a:p>
+          <a:p>
+            <a:r>
+              <a:rPr lang="de-DE" dirty="0"/>
+              <a:t>As expected, overfitting is not really a problem for random forests and only occurs when using a small amount of trees and </a:t>
+            </a:r>
+          </a:p>
+          <a:p>
+            <a:endParaRPr lang="de-DE" dirty="0"/>
+          </a:p>
+        </p:txBody>
+      </p:sp>
+    </p:spTree>
+    <p:extLst>
+      <p:ext uri="{BB962C8B-B14F-4D97-AF65-F5344CB8AC3E}">
+        <p14:creationId xmlns:p14="http://schemas.microsoft.com/office/powerpoint/2010/main" val="3989929787"/>
       </p:ext>
     </p:extLst>
   </p:cSld>

--- a/Task 3.pptx
+++ b/Task 3.pptx
@@ -9,11 +9,14 @@
     <p:sldId id="260" r:id="rId3"/>
     <p:sldId id="261" r:id="rId4"/>
     <p:sldId id="262" r:id="rId5"/>
-    <p:sldId id="259" r:id="rId6"/>
-    <p:sldId id="263" r:id="rId7"/>
-    <p:sldId id="265" r:id="rId8"/>
-    <p:sldId id="264" r:id="rId9"/>
-    <p:sldId id="266" r:id="rId10"/>
+    <p:sldId id="269" r:id="rId6"/>
+    <p:sldId id="259" r:id="rId7"/>
+    <p:sldId id="263" r:id="rId8"/>
+    <p:sldId id="265" r:id="rId9"/>
+    <p:sldId id="264" r:id="rId10"/>
+    <p:sldId id="266" r:id="rId11"/>
+    <p:sldId id="267" r:id="rId12"/>
+    <p:sldId id="268" r:id="rId13"/>
   </p:sldIdLst>
   <p:sldSz cx="12192000" cy="6858000"/>
   <p:notesSz cx="6858000" cy="9144000"/>
@@ -3646,6 +3649,974 @@
 </p:sld>
 </file>
 
+<file path=ppt/slides/slide10.xml><?xml version="1.0" encoding="utf-8"?>
+<p:sld xmlns:a="http://schemas.openxmlformats.org/drawingml/2006/main" xmlns:r="http://schemas.openxmlformats.org/officeDocument/2006/relationships" xmlns:p="http://schemas.openxmlformats.org/presentationml/2006/main">
+  <p:cSld>
+    <p:spTree>
+      <p:nvGrpSpPr>
+        <p:cNvPr id="1" name=""/>
+        <p:cNvGrpSpPr/>
+        <p:nvPr/>
+      </p:nvGrpSpPr>
+      <p:grpSpPr>
+        <a:xfrm>
+          <a:off x="0" y="0"/>
+          <a:ext cx="0" cy="0"/>
+          <a:chOff x="0" y="0"/>
+          <a:chExt cx="0" cy="0"/>
+        </a:xfrm>
+      </p:grpSpPr>
+      <p:sp>
+        <p:nvSpPr>
+          <p:cNvPr id="2" name="Title 1">
+            <a:extLst>
+              <a:ext uri="{FF2B5EF4-FFF2-40B4-BE49-F238E27FC236}">
+                <a16:creationId xmlns:a16="http://schemas.microsoft.com/office/drawing/2014/main" id="{BBDE8120-415F-D3C4-4575-EB5825A2F0D4}"/>
+              </a:ext>
+            </a:extLst>
+          </p:cNvPr>
+          <p:cNvSpPr>
+            <a:spLocks noGrp="1"/>
+          </p:cNvSpPr>
+          <p:nvPr>
+            <p:ph type="title"/>
+          </p:nvPr>
+        </p:nvSpPr>
+        <p:spPr>
+          <a:xfrm>
+            <a:off x="838200" y="0"/>
+            <a:ext cx="10515600" cy="1325563"/>
+          </a:xfrm>
+        </p:spPr>
+        <p:txBody>
+          <a:bodyPr/>
+          <a:lstStyle/>
+          <a:p>
+            <a:r>
+              <a:rPr lang="de-DE" dirty="0"/>
+              <a:t>Random forest: Overfitting/Underfitting</a:t>
+            </a:r>
+          </a:p>
+        </p:txBody>
+      </p:sp>
+      <p:sp>
+        <p:nvSpPr>
+          <p:cNvPr id="4" name="Content Placeholder 3">
+            <a:extLst>
+              <a:ext uri="{FF2B5EF4-FFF2-40B4-BE49-F238E27FC236}">
+                <a16:creationId xmlns:a16="http://schemas.microsoft.com/office/drawing/2014/main" id="{DB417A8C-684E-F866-2090-5BCBD83D5503}"/>
+              </a:ext>
+            </a:extLst>
+          </p:cNvPr>
+          <p:cNvSpPr>
+            <a:spLocks noGrp="1"/>
+          </p:cNvSpPr>
+          <p:nvPr>
+            <p:ph sz="half" idx="2"/>
+          </p:nvPr>
+        </p:nvSpPr>
+        <p:spPr>
+          <a:xfrm>
+            <a:off x="7943849" y="1803400"/>
+            <a:ext cx="4057637" cy="4351338"/>
+          </a:xfrm>
+        </p:spPr>
+        <p:txBody>
+          <a:bodyPr>
+            <a:normAutofit fontScale="92500" lnSpcReduction="10000"/>
+          </a:bodyPr>
+          <a:lstStyle/>
+          <a:p>
+            <a:r>
+              <a:rPr lang="de-DE" dirty="0"/>
+              <a:t>The plots show all different parameter combinations from the grid:</a:t>
+            </a:r>
+          </a:p>
+          <a:p>
+            <a:pPr lvl="1"/>
+            <a:r>
+              <a:rPr lang="de-DE" sz="2000" dirty="0"/>
+              <a:t>Number of estimators: [1,5,20,100]</a:t>
+            </a:r>
+          </a:p>
+          <a:p>
+            <a:pPr lvl="1"/>
+            <a:r>
+              <a:rPr lang="de-DE" sz="2000" dirty="0"/>
+              <a:t>max depth: [2, 5, 10, None]</a:t>
+            </a:r>
+          </a:p>
+          <a:p>
+            <a:pPr lvl="1"/>
+            <a:r>
+              <a:rPr lang="de-DE" sz="2000" dirty="0"/>
+              <a:t>min samples per leaf: [1, 2, 4]</a:t>
+            </a:r>
+            <a:endParaRPr lang="de-DE" dirty="0"/>
+          </a:p>
+          <a:p>
+            <a:r>
+              <a:rPr lang="de-DE" dirty="0"/>
+              <a:t>As expected, overfitting is not really a problem for random forests and only occurs when using a small number of trees with high depth</a:t>
+            </a:r>
+          </a:p>
+          <a:p>
+            <a:endParaRPr lang="de-DE" dirty="0"/>
+          </a:p>
+        </p:txBody>
+      </p:sp>
+      <p:pic>
+        <p:nvPicPr>
+          <p:cNvPr id="14" name="Content Placeholder 13">
+            <a:extLst>
+              <a:ext uri="{FF2B5EF4-FFF2-40B4-BE49-F238E27FC236}">
+                <a16:creationId xmlns:a16="http://schemas.microsoft.com/office/drawing/2014/main" id="{8558EFDA-0532-6CE3-8772-410F5B6048C0}"/>
+              </a:ext>
+            </a:extLst>
+          </p:cNvPr>
+          <p:cNvPicPr>
+            <a:picLocks noGrp="1" noChangeAspect="1"/>
+          </p:cNvPicPr>
+          <p:nvPr>
+            <p:ph sz="half" idx="1"/>
+          </p:nvPr>
+        </p:nvPicPr>
+        <p:blipFill>
+          <a:blip r:embed="rId2"/>
+          <a:stretch>
+            <a:fillRect/>
+          </a:stretch>
+        </p:blipFill>
+        <p:spPr>
+          <a:xfrm>
+            <a:off x="190513" y="1295217"/>
+            <a:ext cx="7753336" cy="5425457"/>
+          </a:xfrm>
+        </p:spPr>
+      </p:pic>
+    </p:spTree>
+    <p:extLst>
+      <p:ext uri="{BB962C8B-B14F-4D97-AF65-F5344CB8AC3E}">
+        <p14:creationId xmlns:p14="http://schemas.microsoft.com/office/powerpoint/2010/main" val="3989929787"/>
+      </p:ext>
+    </p:extLst>
+  </p:cSld>
+  <p:clrMapOvr>
+    <a:masterClrMapping/>
+  </p:clrMapOvr>
+</p:sld>
+</file>
+
+<file path=ppt/slides/slide11.xml><?xml version="1.0" encoding="utf-8"?>
+<p:sld xmlns:a="http://schemas.openxmlformats.org/drawingml/2006/main" xmlns:r="http://schemas.openxmlformats.org/officeDocument/2006/relationships" xmlns:p="http://schemas.openxmlformats.org/presentationml/2006/main">
+  <p:cSld>
+    <p:spTree>
+      <p:nvGrpSpPr>
+        <p:cNvPr id="1" name=""/>
+        <p:cNvGrpSpPr/>
+        <p:nvPr/>
+      </p:nvGrpSpPr>
+      <p:grpSpPr>
+        <a:xfrm>
+          <a:off x="0" y="0"/>
+          <a:ext cx="0" cy="0"/>
+          <a:chOff x="0" y="0"/>
+          <a:chExt cx="0" cy="0"/>
+        </a:xfrm>
+      </p:grpSpPr>
+      <p:sp>
+        <p:nvSpPr>
+          <p:cNvPr id="2" name="Title 1">
+            <a:extLst>
+              <a:ext uri="{FF2B5EF4-FFF2-40B4-BE49-F238E27FC236}">
+                <a16:creationId xmlns:a16="http://schemas.microsoft.com/office/drawing/2014/main" id="{2D36601F-4905-6CDD-1A66-7FDBF56B7D8B}"/>
+              </a:ext>
+            </a:extLst>
+          </p:cNvPr>
+          <p:cNvSpPr>
+            <a:spLocks noGrp="1"/>
+          </p:cNvSpPr>
+          <p:nvPr>
+            <p:ph type="title"/>
+          </p:nvPr>
+        </p:nvSpPr>
+        <p:spPr/>
+        <p:txBody>
+          <a:bodyPr/>
+          <a:lstStyle/>
+          <a:p>
+            <a:r>
+              <a:rPr lang="en-GB" dirty="0"/>
+              <a:t>Random forests: Parameter Search / best parameters</a:t>
+            </a:r>
+            <a:endParaRPr lang="de-DE" dirty="0"/>
+          </a:p>
+        </p:txBody>
+      </p:sp>
+      <p:sp>
+        <p:nvSpPr>
+          <p:cNvPr id="3" name="Content Placeholder 2">
+            <a:extLst>
+              <a:ext uri="{FF2B5EF4-FFF2-40B4-BE49-F238E27FC236}">
+                <a16:creationId xmlns:a16="http://schemas.microsoft.com/office/drawing/2014/main" id="{7A752191-1904-EB61-2C59-3C375F5901D6}"/>
+              </a:ext>
+            </a:extLst>
+          </p:cNvPr>
+          <p:cNvSpPr>
+            <a:spLocks noGrp="1"/>
+          </p:cNvSpPr>
+          <p:nvPr>
+            <p:ph sz="half" idx="1"/>
+          </p:nvPr>
+        </p:nvSpPr>
+        <p:spPr>
+          <a:xfrm>
+            <a:off x="838200" y="2495579"/>
+            <a:ext cx="5257800" cy="3997296"/>
+          </a:xfrm>
+        </p:spPr>
+        <p:txBody>
+          <a:bodyPr>
+            <a:normAutofit fontScale="85000" lnSpcReduction="20000"/>
+          </a:bodyPr>
+          <a:lstStyle/>
+          <a:p>
+            <a:r>
+              <a:rPr lang="en-GB" dirty="0"/>
+              <a:t>First a randomized search was performed to narrow down parameter options for grid search </a:t>
+            </a:r>
+          </a:p>
+          <a:p>
+            <a:r>
+              <a:rPr lang="en-GB" dirty="0"/>
+              <a:t>Parameters for randomized search:</a:t>
+            </a:r>
+          </a:p>
+          <a:p>
+            <a:pPr lvl="1"/>
+            <a:r>
+              <a:rPr lang="en-GB" dirty="0"/>
+              <a:t>'</a:t>
+            </a:r>
+            <a:r>
+              <a:rPr lang="en-GB" dirty="0" err="1"/>
+              <a:t>n_estimators</a:t>
+            </a:r>
+            <a:r>
+              <a:rPr lang="en-GB" dirty="0"/>
+              <a:t>': [1, 2, 10, 100, 200, 300, 400, 500]</a:t>
+            </a:r>
+          </a:p>
+          <a:p>
+            <a:pPr lvl="1"/>
+            <a:r>
+              <a:rPr lang="en-GB" dirty="0"/>
+              <a:t> 'criterion': ['</a:t>
+            </a:r>
+            <a:r>
+              <a:rPr lang="en-GB" dirty="0" err="1"/>
+              <a:t>gini</a:t>
+            </a:r>
+            <a:r>
+              <a:rPr lang="en-GB" dirty="0"/>
+              <a:t>', 'entropy', '</a:t>
+            </a:r>
+            <a:r>
+              <a:rPr lang="en-GB" dirty="0" err="1"/>
+              <a:t>log_loss</a:t>
+            </a:r>
+            <a:r>
+              <a:rPr lang="en-GB" dirty="0"/>
+              <a:t>']</a:t>
+            </a:r>
+          </a:p>
+          <a:p>
+            <a:pPr lvl="1"/>
+            <a:r>
+              <a:rPr lang="en-GB" dirty="0"/>
+              <a:t> '</a:t>
+            </a:r>
+            <a:r>
+              <a:rPr lang="en-GB" dirty="0" err="1"/>
+              <a:t>max_features</a:t>
+            </a:r>
+            <a:r>
+              <a:rPr lang="en-GB" dirty="0"/>
+              <a:t>': ['log2', 'sqrt']</a:t>
+            </a:r>
+          </a:p>
+          <a:p>
+            <a:pPr lvl="1"/>
+            <a:r>
+              <a:rPr lang="en-GB" dirty="0"/>
+              <a:t> '</a:t>
+            </a:r>
+            <a:r>
+              <a:rPr lang="en-GB" dirty="0" err="1"/>
+              <a:t>max_depth</a:t>
+            </a:r>
+            <a:r>
+              <a:rPr lang="en-GB" dirty="0"/>
+              <a:t>': [1, 10, 40, 60, 80, 110, None]</a:t>
+            </a:r>
+          </a:p>
+          <a:p>
+            <a:pPr lvl="1"/>
+            <a:r>
+              <a:rPr lang="en-GB" dirty="0"/>
+              <a:t> '</a:t>
+            </a:r>
+            <a:r>
+              <a:rPr lang="en-GB" dirty="0" err="1"/>
+              <a:t>min_samples_split</a:t>
+            </a:r>
+            <a:r>
+              <a:rPr lang="en-GB" dirty="0"/>
+              <a:t>': [2, 3, 5, 8, 10, 15]</a:t>
+            </a:r>
+          </a:p>
+          <a:p>
+            <a:pPr lvl="1"/>
+            <a:r>
+              <a:rPr lang="en-GB" dirty="0"/>
+              <a:t> '</a:t>
+            </a:r>
+            <a:r>
+              <a:rPr lang="en-GB" dirty="0" err="1"/>
+              <a:t>min_samples_leaf</a:t>
+            </a:r>
+            <a:r>
+              <a:rPr lang="en-GB" dirty="0"/>
+              <a:t>': [1, 2, 4]</a:t>
+            </a:r>
+          </a:p>
+          <a:p>
+            <a:pPr lvl="1"/>
+            <a:r>
+              <a:rPr lang="en-GB" dirty="0"/>
+              <a:t> 'bootstrap': [True, False]</a:t>
+            </a:r>
+          </a:p>
+        </p:txBody>
+      </p:sp>
+      <p:sp>
+        <p:nvSpPr>
+          <p:cNvPr id="6" name="Content Placeholder 2">
+            <a:extLst>
+              <a:ext uri="{FF2B5EF4-FFF2-40B4-BE49-F238E27FC236}">
+                <a16:creationId xmlns:a16="http://schemas.microsoft.com/office/drawing/2014/main" id="{CC7AED3F-B012-B086-CFA7-ADD74C6B5720}"/>
+              </a:ext>
+            </a:extLst>
+          </p:cNvPr>
+          <p:cNvSpPr txBox="1">
+            <a:spLocks/>
+          </p:cNvSpPr>
+          <p:nvPr/>
+        </p:nvSpPr>
+        <p:spPr>
+          <a:xfrm>
+            <a:off x="6096000" y="2495579"/>
+            <a:ext cx="5257800" cy="3997296"/>
+          </a:xfrm>
+          <a:prstGeom prst="rect">
+            <a:avLst/>
+          </a:prstGeom>
+        </p:spPr>
+        <p:txBody>
+          <a:bodyPr vert="horz" lIns="91440" tIns="45720" rIns="91440" bIns="45720" rtlCol="0">
+            <a:normAutofit fontScale="92500" lnSpcReduction="20000"/>
+          </a:bodyPr>
+          <a:lstStyle>
+            <a:lvl1pPr marL="228600" indent="-228600" algn="l" defTabSz="914400" rtl="0" eaLnBrk="1" latinLnBrk="0" hangingPunct="1">
+              <a:lnSpc>
+                <a:spcPct val="90000"/>
+              </a:lnSpc>
+              <a:spcBef>
+                <a:spcPts val="1000"/>
+              </a:spcBef>
+              <a:buFont typeface="Arial" panose="020B0604020202020204" pitchFamily="34" charset="0"/>
+              <a:buChar char="•"/>
+              <a:defRPr sz="2800" kern="1200">
+                <a:solidFill>
+                  <a:schemeClr val="tx1"/>
+                </a:solidFill>
+                <a:latin typeface="+mn-lt"/>
+                <a:ea typeface="+mn-ea"/>
+                <a:cs typeface="+mn-cs"/>
+              </a:defRPr>
+            </a:lvl1pPr>
+            <a:lvl2pPr marL="685800" indent="-228600" algn="l" defTabSz="914400" rtl="0" eaLnBrk="1" latinLnBrk="0" hangingPunct="1">
+              <a:lnSpc>
+                <a:spcPct val="90000"/>
+              </a:lnSpc>
+              <a:spcBef>
+                <a:spcPts val="500"/>
+              </a:spcBef>
+              <a:buFont typeface="Arial" panose="020B0604020202020204" pitchFamily="34" charset="0"/>
+              <a:buChar char="•"/>
+              <a:defRPr sz="2400" kern="1200">
+                <a:solidFill>
+                  <a:schemeClr val="tx1"/>
+                </a:solidFill>
+                <a:latin typeface="+mn-lt"/>
+                <a:ea typeface="+mn-ea"/>
+                <a:cs typeface="+mn-cs"/>
+              </a:defRPr>
+            </a:lvl2pPr>
+            <a:lvl3pPr marL="1143000" indent="-228600" algn="l" defTabSz="914400" rtl="0" eaLnBrk="1" latinLnBrk="0" hangingPunct="1">
+              <a:lnSpc>
+                <a:spcPct val="90000"/>
+              </a:lnSpc>
+              <a:spcBef>
+                <a:spcPts val="500"/>
+              </a:spcBef>
+              <a:buFont typeface="Arial" panose="020B0604020202020204" pitchFamily="34" charset="0"/>
+              <a:buChar char="•"/>
+              <a:defRPr sz="2000" kern="1200">
+                <a:solidFill>
+                  <a:schemeClr val="tx1"/>
+                </a:solidFill>
+                <a:latin typeface="+mn-lt"/>
+                <a:ea typeface="+mn-ea"/>
+                <a:cs typeface="+mn-cs"/>
+              </a:defRPr>
+            </a:lvl3pPr>
+            <a:lvl4pPr marL="1600200" indent="-228600" algn="l" defTabSz="914400" rtl="0" eaLnBrk="1" latinLnBrk="0" hangingPunct="1">
+              <a:lnSpc>
+                <a:spcPct val="90000"/>
+              </a:lnSpc>
+              <a:spcBef>
+                <a:spcPts val="500"/>
+              </a:spcBef>
+              <a:buFont typeface="Arial" panose="020B0604020202020204" pitchFamily="34" charset="0"/>
+              <a:buChar char="•"/>
+              <a:defRPr sz="1800" kern="1200">
+                <a:solidFill>
+                  <a:schemeClr val="tx1"/>
+                </a:solidFill>
+                <a:latin typeface="+mn-lt"/>
+                <a:ea typeface="+mn-ea"/>
+                <a:cs typeface="+mn-cs"/>
+              </a:defRPr>
+            </a:lvl4pPr>
+            <a:lvl5pPr marL="2057400" indent="-228600" algn="l" defTabSz="914400" rtl="0" eaLnBrk="1" latinLnBrk="0" hangingPunct="1">
+              <a:lnSpc>
+                <a:spcPct val="90000"/>
+              </a:lnSpc>
+              <a:spcBef>
+                <a:spcPts val="500"/>
+              </a:spcBef>
+              <a:buFont typeface="Arial" panose="020B0604020202020204" pitchFamily="34" charset="0"/>
+              <a:buChar char="•"/>
+              <a:defRPr sz="1800" kern="1200">
+                <a:solidFill>
+                  <a:schemeClr val="tx1"/>
+                </a:solidFill>
+                <a:latin typeface="+mn-lt"/>
+                <a:ea typeface="+mn-ea"/>
+                <a:cs typeface="+mn-cs"/>
+              </a:defRPr>
+            </a:lvl5pPr>
+            <a:lvl6pPr marL="2514600" indent="-228600" algn="l" defTabSz="914400" rtl="0" eaLnBrk="1" latinLnBrk="0" hangingPunct="1">
+              <a:lnSpc>
+                <a:spcPct val="90000"/>
+              </a:lnSpc>
+              <a:spcBef>
+                <a:spcPts val="500"/>
+              </a:spcBef>
+              <a:buFont typeface="Arial" panose="020B0604020202020204" pitchFamily="34" charset="0"/>
+              <a:buChar char="•"/>
+              <a:defRPr sz="1800" kern="1200">
+                <a:solidFill>
+                  <a:schemeClr val="tx1"/>
+                </a:solidFill>
+                <a:latin typeface="+mn-lt"/>
+                <a:ea typeface="+mn-ea"/>
+                <a:cs typeface="+mn-cs"/>
+              </a:defRPr>
+            </a:lvl6pPr>
+            <a:lvl7pPr marL="2971800" indent="-228600" algn="l" defTabSz="914400" rtl="0" eaLnBrk="1" latinLnBrk="0" hangingPunct="1">
+              <a:lnSpc>
+                <a:spcPct val="90000"/>
+              </a:lnSpc>
+              <a:spcBef>
+                <a:spcPts val="500"/>
+              </a:spcBef>
+              <a:buFont typeface="Arial" panose="020B0604020202020204" pitchFamily="34" charset="0"/>
+              <a:buChar char="•"/>
+              <a:defRPr sz="1800" kern="1200">
+                <a:solidFill>
+                  <a:schemeClr val="tx1"/>
+                </a:solidFill>
+                <a:latin typeface="+mn-lt"/>
+                <a:ea typeface="+mn-ea"/>
+                <a:cs typeface="+mn-cs"/>
+              </a:defRPr>
+            </a:lvl7pPr>
+            <a:lvl8pPr marL="3429000" indent="-228600" algn="l" defTabSz="914400" rtl="0" eaLnBrk="1" latinLnBrk="0" hangingPunct="1">
+              <a:lnSpc>
+                <a:spcPct val="90000"/>
+              </a:lnSpc>
+              <a:spcBef>
+                <a:spcPts val="500"/>
+              </a:spcBef>
+              <a:buFont typeface="Arial" panose="020B0604020202020204" pitchFamily="34" charset="0"/>
+              <a:buChar char="•"/>
+              <a:defRPr sz="1800" kern="1200">
+                <a:solidFill>
+                  <a:schemeClr val="tx1"/>
+                </a:solidFill>
+                <a:latin typeface="+mn-lt"/>
+                <a:ea typeface="+mn-ea"/>
+                <a:cs typeface="+mn-cs"/>
+              </a:defRPr>
+            </a:lvl8pPr>
+            <a:lvl9pPr marL="3886200" indent="-228600" algn="l" defTabSz="914400" rtl="0" eaLnBrk="1" latinLnBrk="0" hangingPunct="1">
+              <a:lnSpc>
+                <a:spcPct val="90000"/>
+              </a:lnSpc>
+              <a:spcBef>
+                <a:spcPts val="500"/>
+              </a:spcBef>
+              <a:buFont typeface="Arial" panose="020B0604020202020204" pitchFamily="34" charset="0"/>
+              <a:buChar char="•"/>
+              <a:defRPr sz="1800" kern="1200">
+                <a:solidFill>
+                  <a:schemeClr val="tx1"/>
+                </a:solidFill>
+                <a:latin typeface="+mn-lt"/>
+                <a:ea typeface="+mn-ea"/>
+                <a:cs typeface="+mn-cs"/>
+              </a:defRPr>
+            </a:lvl9pPr>
+          </a:lstStyle>
+          <a:p>
+            <a:r>
+              <a:rPr lang="en-GB" sz="2600" dirty="0"/>
+              <a:t>Then grid search was performed according to the outputs of randomized search to get fine-tuned parameters </a:t>
+            </a:r>
+          </a:p>
+          <a:p>
+            <a:r>
+              <a:rPr lang="en-GB" dirty="0"/>
+              <a:t>Parameters for grid search:</a:t>
+            </a:r>
+          </a:p>
+          <a:p>
+            <a:pPr lvl="1"/>
+            <a:r>
+              <a:rPr lang="en-GB" dirty="0"/>
+              <a:t>'</a:t>
+            </a:r>
+            <a:r>
+              <a:rPr lang="en-GB" dirty="0" err="1"/>
+              <a:t>n_estimators</a:t>
+            </a:r>
+            <a:r>
+              <a:rPr lang="en-GB" dirty="0"/>
+              <a:t>': [200, 300, 400]</a:t>
+            </a:r>
+          </a:p>
+          <a:p>
+            <a:pPr lvl="1"/>
+            <a:r>
+              <a:rPr lang="en-GB" dirty="0"/>
+              <a:t> 'criterion': ['entropy', '</a:t>
+            </a:r>
+            <a:r>
+              <a:rPr lang="en-GB" dirty="0" err="1"/>
+              <a:t>log_loss</a:t>
+            </a:r>
+            <a:r>
+              <a:rPr lang="en-GB" dirty="0"/>
+              <a:t>']</a:t>
+            </a:r>
+          </a:p>
+          <a:p>
+            <a:pPr lvl="1"/>
+            <a:r>
+              <a:rPr lang="en-GB" dirty="0"/>
+              <a:t> '</a:t>
+            </a:r>
+            <a:r>
+              <a:rPr lang="en-GB" dirty="0" err="1"/>
+              <a:t>max_features</a:t>
+            </a:r>
+            <a:r>
+              <a:rPr lang="en-GB" dirty="0"/>
+              <a:t>': ['sqrt']</a:t>
+            </a:r>
+          </a:p>
+          <a:p>
+            <a:pPr lvl="1"/>
+            <a:r>
+              <a:rPr lang="en-GB" dirty="0"/>
+              <a:t> '</a:t>
+            </a:r>
+            <a:r>
+              <a:rPr lang="en-GB" dirty="0" err="1"/>
+              <a:t>max_depth</a:t>
+            </a:r>
+            <a:r>
+              <a:rPr lang="en-GB" dirty="0"/>
+              <a:t>': [40, 60, 110, None]</a:t>
+            </a:r>
+          </a:p>
+          <a:p>
+            <a:pPr lvl="1"/>
+            <a:r>
+              <a:rPr lang="en-GB" dirty="0"/>
+              <a:t> '</a:t>
+            </a:r>
+            <a:r>
+              <a:rPr lang="en-GB" dirty="0" err="1"/>
+              <a:t>min_samples_split</a:t>
+            </a:r>
+            <a:r>
+              <a:rPr lang="en-GB" dirty="0"/>
+              <a:t>': [2, 3, 5]</a:t>
+            </a:r>
+          </a:p>
+          <a:p>
+            <a:pPr lvl="1"/>
+            <a:r>
+              <a:rPr lang="en-GB" dirty="0"/>
+              <a:t>'</a:t>
+            </a:r>
+            <a:r>
+              <a:rPr lang="en-GB" dirty="0" err="1"/>
+              <a:t>min_samples_leaf</a:t>
+            </a:r>
+            <a:r>
+              <a:rPr lang="en-GB" dirty="0"/>
+              <a:t>': [1, 2]</a:t>
+            </a:r>
+          </a:p>
+          <a:p>
+            <a:pPr lvl="1"/>
+            <a:r>
+              <a:rPr lang="en-GB" dirty="0"/>
+              <a:t> 'bootstrap': [False]</a:t>
+            </a:r>
+            <a:endParaRPr lang="de-DE" dirty="0"/>
+          </a:p>
+        </p:txBody>
+      </p:sp>
+      <p:sp>
+        <p:nvSpPr>
+          <p:cNvPr id="7" name="Title 1">
+            <a:extLst>
+              <a:ext uri="{FF2B5EF4-FFF2-40B4-BE49-F238E27FC236}">
+                <a16:creationId xmlns:a16="http://schemas.microsoft.com/office/drawing/2014/main" id="{CBA3124A-3784-6818-0592-D278D8631FA2}"/>
+              </a:ext>
+            </a:extLst>
+          </p:cNvPr>
+          <p:cNvSpPr txBox="1">
+            <a:spLocks/>
+          </p:cNvSpPr>
+          <p:nvPr/>
+        </p:nvSpPr>
+        <p:spPr>
+          <a:xfrm>
+            <a:off x="838200" y="1656710"/>
+            <a:ext cx="10515600" cy="1325563"/>
+          </a:xfrm>
+          <a:prstGeom prst="rect">
+            <a:avLst/>
+          </a:prstGeom>
+        </p:spPr>
+        <p:txBody>
+          <a:bodyPr vert="horz" lIns="91440" tIns="45720" rIns="91440" bIns="45720" rtlCol="0" anchor="ctr">
+            <a:normAutofit/>
+          </a:bodyPr>
+          <a:lstStyle>
+            <a:lvl1pPr algn="l" defTabSz="914400" rtl="0" eaLnBrk="1" latinLnBrk="0" hangingPunct="1">
+              <a:lnSpc>
+                <a:spcPct val="90000"/>
+              </a:lnSpc>
+              <a:spcBef>
+                <a:spcPct val="0"/>
+              </a:spcBef>
+              <a:buNone/>
+              <a:defRPr sz="4400" kern="1200">
+                <a:solidFill>
+                  <a:schemeClr val="tx1"/>
+                </a:solidFill>
+                <a:latin typeface="+mj-lt"/>
+                <a:ea typeface="+mj-ea"/>
+                <a:cs typeface="+mj-cs"/>
+              </a:defRPr>
+            </a:lvl1pPr>
+          </a:lstStyle>
+          <a:p>
+            <a:endParaRPr lang="de-DE" dirty="0"/>
+          </a:p>
+        </p:txBody>
+      </p:sp>
+      <p:sp>
+        <p:nvSpPr>
+          <p:cNvPr id="8" name="Title 1">
+            <a:extLst>
+              <a:ext uri="{FF2B5EF4-FFF2-40B4-BE49-F238E27FC236}">
+                <a16:creationId xmlns:a16="http://schemas.microsoft.com/office/drawing/2014/main" id="{25C43D95-209B-F20D-4F1C-1089609B3D33}"/>
+              </a:ext>
+            </a:extLst>
+          </p:cNvPr>
+          <p:cNvSpPr txBox="1">
+            <a:spLocks/>
+          </p:cNvSpPr>
+          <p:nvPr/>
+        </p:nvSpPr>
+        <p:spPr>
+          <a:xfrm>
+            <a:off x="838200" y="1656710"/>
+            <a:ext cx="10515600" cy="753409"/>
+          </a:xfrm>
+          <a:prstGeom prst="rect">
+            <a:avLst/>
+          </a:prstGeom>
+        </p:spPr>
+        <p:txBody>
+          <a:bodyPr vert="horz" lIns="91440" tIns="45720" rIns="91440" bIns="45720" rtlCol="0" anchor="ctr">
+            <a:normAutofit/>
+          </a:bodyPr>
+          <a:lstStyle>
+            <a:lvl1pPr algn="l" defTabSz="914400" rtl="0" eaLnBrk="1" latinLnBrk="0" hangingPunct="1">
+              <a:lnSpc>
+                <a:spcPct val="90000"/>
+              </a:lnSpc>
+              <a:spcBef>
+                <a:spcPct val="0"/>
+              </a:spcBef>
+              <a:buNone/>
+              <a:defRPr sz="4400" kern="1200">
+                <a:solidFill>
+                  <a:schemeClr val="tx1"/>
+                </a:solidFill>
+                <a:latin typeface="+mj-lt"/>
+                <a:ea typeface="+mj-ea"/>
+                <a:cs typeface="+mj-cs"/>
+              </a:defRPr>
+            </a:lvl1pPr>
+          </a:lstStyle>
+          <a:p>
+            <a:r>
+              <a:rPr lang="en-GB" sz="2200" dirty="0">
+                <a:latin typeface="+mn-lt"/>
+                <a:ea typeface="+mn-ea"/>
+                <a:cs typeface="+mn-cs"/>
+              </a:rPr>
+              <a:t>Parameter search for “</a:t>
+            </a:r>
+            <a:r>
+              <a:rPr lang="en-GB" sz="2200" dirty="0" err="1">
+                <a:latin typeface="+mn-lt"/>
+                <a:ea typeface="+mn-ea"/>
+                <a:cs typeface="+mn-cs"/>
+              </a:rPr>
+              <a:t>n_estimators</a:t>
+            </a:r>
+            <a:r>
+              <a:rPr lang="en-GB" sz="2200" dirty="0">
+                <a:latin typeface="+mn-lt"/>
+                <a:ea typeface="+mn-ea"/>
+                <a:cs typeface="+mn-cs"/>
+              </a:rPr>
+              <a:t>”, “criterion”, “</a:t>
+            </a:r>
+            <a:r>
+              <a:rPr lang="en-GB" sz="2200" dirty="0" err="1">
+                <a:latin typeface="+mn-lt"/>
+                <a:ea typeface="+mn-ea"/>
+                <a:cs typeface="+mn-cs"/>
+              </a:rPr>
+              <a:t>max_features</a:t>
+            </a:r>
+            <a:r>
+              <a:rPr lang="en-GB" sz="2200" dirty="0">
+                <a:latin typeface="+mn-lt"/>
+                <a:ea typeface="+mn-ea"/>
+                <a:cs typeface="+mn-cs"/>
+              </a:rPr>
+              <a:t>”, “</a:t>
+            </a:r>
+            <a:r>
+              <a:rPr lang="en-GB" sz="2200" dirty="0" err="1">
+                <a:latin typeface="+mn-lt"/>
+                <a:ea typeface="+mn-ea"/>
+                <a:cs typeface="+mn-cs"/>
+              </a:rPr>
+              <a:t>max_depth</a:t>
+            </a:r>
+            <a:r>
+              <a:rPr lang="en-GB" sz="2200" dirty="0">
+                <a:latin typeface="+mn-lt"/>
+                <a:ea typeface="+mn-ea"/>
+                <a:cs typeface="+mn-cs"/>
+              </a:rPr>
+              <a:t>”, “</a:t>
+            </a:r>
+            <a:r>
+              <a:rPr lang="en-GB" sz="2200" dirty="0" err="1">
+                <a:latin typeface="+mn-lt"/>
+                <a:ea typeface="+mn-ea"/>
+                <a:cs typeface="+mn-cs"/>
+              </a:rPr>
+              <a:t>min_samples_split</a:t>
+            </a:r>
+            <a:r>
+              <a:rPr lang="en-GB" sz="2200" dirty="0">
+                <a:latin typeface="+mn-lt"/>
+                <a:ea typeface="+mn-ea"/>
+                <a:cs typeface="+mn-cs"/>
+              </a:rPr>
+              <a:t>”, “</a:t>
+            </a:r>
+            <a:r>
+              <a:rPr lang="en-GB" sz="2200" dirty="0" err="1">
+                <a:latin typeface="+mn-lt"/>
+                <a:ea typeface="+mn-ea"/>
+                <a:cs typeface="+mn-cs"/>
+              </a:rPr>
+              <a:t>min_samples_leaf</a:t>
+            </a:r>
+            <a:r>
+              <a:rPr lang="en-GB" sz="2200" dirty="0">
+                <a:latin typeface="+mn-lt"/>
+                <a:ea typeface="+mn-ea"/>
+                <a:cs typeface="+mn-cs"/>
+              </a:rPr>
+              <a:t>” and “bootstrap”</a:t>
+            </a:r>
+            <a:endParaRPr lang="de-DE" sz="2200" dirty="0">
+              <a:latin typeface="+mn-lt"/>
+              <a:ea typeface="+mn-ea"/>
+              <a:cs typeface="+mn-cs"/>
+            </a:endParaRPr>
+          </a:p>
+        </p:txBody>
+      </p:sp>
+    </p:spTree>
+    <p:extLst>
+      <p:ext uri="{BB962C8B-B14F-4D97-AF65-F5344CB8AC3E}">
+        <p14:creationId xmlns:p14="http://schemas.microsoft.com/office/powerpoint/2010/main" val="1867919164"/>
+      </p:ext>
+    </p:extLst>
+  </p:cSld>
+  <p:clrMapOvr>
+    <a:masterClrMapping/>
+  </p:clrMapOvr>
+</p:sld>
+</file>
+
+<file path=ppt/slides/slide12.xml><?xml version="1.0" encoding="utf-8"?>
+<p:sld xmlns:a="http://schemas.openxmlformats.org/drawingml/2006/main" xmlns:r="http://schemas.openxmlformats.org/officeDocument/2006/relationships" xmlns:p="http://schemas.openxmlformats.org/presentationml/2006/main">
+  <p:cSld>
+    <p:spTree>
+      <p:nvGrpSpPr>
+        <p:cNvPr id="1" name=""/>
+        <p:cNvGrpSpPr/>
+        <p:nvPr/>
+      </p:nvGrpSpPr>
+      <p:grpSpPr>
+        <a:xfrm>
+          <a:off x="0" y="0"/>
+          <a:ext cx="0" cy="0"/>
+          <a:chOff x="0" y="0"/>
+          <a:chExt cx="0" cy="0"/>
+        </a:xfrm>
+      </p:grpSpPr>
+      <p:sp>
+        <p:nvSpPr>
+          <p:cNvPr id="2" name="Title 1">
+            <a:extLst>
+              <a:ext uri="{FF2B5EF4-FFF2-40B4-BE49-F238E27FC236}">
+                <a16:creationId xmlns:a16="http://schemas.microsoft.com/office/drawing/2014/main" id="{A9A3AB55-991A-7587-43A3-F4271AC111EA}"/>
+              </a:ext>
+            </a:extLst>
+          </p:cNvPr>
+          <p:cNvSpPr>
+            <a:spLocks noGrp="1"/>
+          </p:cNvSpPr>
+          <p:nvPr>
+            <p:ph type="title"/>
+          </p:nvPr>
+        </p:nvSpPr>
+        <p:spPr/>
+        <p:txBody>
+          <a:bodyPr/>
+          <a:lstStyle/>
+          <a:p>
+            <a:r>
+              <a:rPr lang="de-DE" dirty="0"/>
+              <a:t>Random forests best</a:t>
+            </a:r>
+          </a:p>
+        </p:txBody>
+      </p:sp>
+      <p:sp>
+        <p:nvSpPr>
+          <p:cNvPr id="3" name="Content Placeholder 2">
+            <a:extLst>
+              <a:ext uri="{FF2B5EF4-FFF2-40B4-BE49-F238E27FC236}">
+                <a16:creationId xmlns:a16="http://schemas.microsoft.com/office/drawing/2014/main" id="{5E7154D0-8E76-A648-FF29-45CB3CC1F1B0}"/>
+              </a:ext>
+            </a:extLst>
+          </p:cNvPr>
+          <p:cNvSpPr>
+            <a:spLocks noGrp="1"/>
+          </p:cNvSpPr>
+          <p:nvPr>
+            <p:ph sz="half" idx="1"/>
+          </p:nvPr>
+        </p:nvSpPr>
+        <p:spPr/>
+        <p:txBody>
+          <a:bodyPr/>
+          <a:lstStyle/>
+          <a:p>
+            <a:endParaRPr lang="de-DE" dirty="0"/>
+          </a:p>
+        </p:txBody>
+      </p:sp>
+      <p:sp>
+        <p:nvSpPr>
+          <p:cNvPr id="4" name="Content Placeholder 3">
+            <a:extLst>
+              <a:ext uri="{FF2B5EF4-FFF2-40B4-BE49-F238E27FC236}">
+                <a16:creationId xmlns:a16="http://schemas.microsoft.com/office/drawing/2014/main" id="{DB3B19A2-8B92-8552-4C14-9C86423D7741}"/>
+              </a:ext>
+            </a:extLst>
+          </p:cNvPr>
+          <p:cNvSpPr>
+            <a:spLocks noGrp="1"/>
+          </p:cNvSpPr>
+          <p:nvPr>
+            <p:ph sz="half" idx="2"/>
+          </p:nvPr>
+        </p:nvSpPr>
+        <p:spPr/>
+        <p:txBody>
+          <a:bodyPr/>
+          <a:lstStyle/>
+          <a:p>
+            <a:endParaRPr lang="de-DE"/>
+          </a:p>
+        </p:txBody>
+      </p:sp>
+    </p:spTree>
+    <p:extLst>
+      <p:ext uri="{BB962C8B-B14F-4D97-AF65-F5344CB8AC3E}">
+        <p14:creationId xmlns:p14="http://schemas.microsoft.com/office/powerpoint/2010/main" val="2826502681"/>
+      </p:ext>
+    </p:extLst>
+  </p:cSld>
+  <p:clrMapOvr>
+    <a:masterClrMapping/>
+  </p:clrMapOvr>
+</p:sld>
+</file>
+
 <file path=ppt/slides/slide2.xml><?xml version="1.0" encoding="utf-8"?>
 <p:sld xmlns:a="http://schemas.openxmlformats.org/drawingml/2006/main" xmlns:r="http://schemas.openxmlformats.org/officeDocument/2006/relationships" xmlns:p="http://schemas.openxmlformats.org/presentationml/2006/main">
   <p:cSld>
@@ -3884,7 +4855,15 @@
           <a:p>
             <a:r>
               <a:rPr lang="en-GB" dirty="0"/>
-              <a:t>Feature Selection</a:t>
+              <a:t>Feature Selection and </a:t>
+            </a:r>
+            <a:r>
+              <a:rPr lang="en-GB" dirty="0" err="1"/>
+              <a:t>preprocessing</a:t>
+            </a:r>
+            <a:r>
+              <a:rPr lang="en-GB" dirty="0"/>
+              <a:t>  </a:t>
             </a:r>
           </a:p>
         </p:txBody>
@@ -3952,6 +4931,15 @@
             <a:r>
               <a:rPr lang="en-GB" sz="2000" dirty="0"/>
               <a:t>For this scoring function we used mutual information, which describes the amount of information one gets about on variable (in our case the labels) when observing the other (in our case features)</a:t>
+            </a:r>
+          </a:p>
+          <a:p>
+            <a:endParaRPr lang="en-GB" sz="2000" dirty="0"/>
+          </a:p>
+          <a:p>
+            <a:r>
+              <a:rPr lang="en-GB" sz="2000" dirty="0"/>
+              <a:t>We normalized all features to mean zero, standard deviation one as for some algorithms (e.g. KNN) we need normalized input</a:t>
             </a:r>
           </a:p>
         </p:txBody>
@@ -4093,10 +5081,10 @@
       </p:grpSpPr>
       <p:sp>
         <p:nvSpPr>
-          <p:cNvPr id="2" name="Titel 1">
-            <a:extLst>
-              <a:ext uri="{FF2B5EF4-FFF2-40B4-BE49-F238E27FC236}">
-                <a16:creationId xmlns:a16="http://schemas.microsoft.com/office/drawing/2014/main" id="{A49D1A23-08C9-07BE-77D5-E185B87A1AE1}"/>
+          <p:cNvPr id="2" name="Title 1">
+            <a:extLst>
+              <a:ext uri="{FF2B5EF4-FFF2-40B4-BE49-F238E27FC236}">
+                <a16:creationId xmlns:a16="http://schemas.microsoft.com/office/drawing/2014/main" id="{79E9AB59-E701-6447-4BDC-A55487298C29}"/>
               </a:ext>
             </a:extLst>
           </p:cNvPr>
@@ -4114,257 +5102,17 @@
           <a:p>
             <a:r>
               <a:rPr lang="de-DE" dirty="0"/>
-              <a:t>KNN: </a:t>
-            </a:r>
-            <a:r>
-              <a:rPr lang="de-DE" dirty="0" err="1"/>
-              <a:t>Overfitting</a:t>
-            </a:r>
-            <a:r>
-              <a:rPr lang="de-DE" dirty="0"/>
-              <a:t>/</a:t>
-            </a:r>
-            <a:r>
-              <a:rPr lang="de-DE" dirty="0" err="1"/>
-              <a:t>Underfitting</a:t>
-            </a:r>
-            <a:endParaRPr lang="de-DE" dirty="0"/>
-          </a:p>
-        </p:txBody>
-      </p:sp>
-      <p:sp>
-        <p:nvSpPr>
-          <p:cNvPr id="4" name="Inhaltsplatzhalter 3">
-            <a:extLst>
-              <a:ext uri="{FF2B5EF4-FFF2-40B4-BE49-F238E27FC236}">
-                <a16:creationId xmlns:a16="http://schemas.microsoft.com/office/drawing/2014/main" id="{846F905F-079D-3BCA-32F5-5F646C502B88}"/>
-              </a:ext>
-            </a:extLst>
-          </p:cNvPr>
-          <p:cNvSpPr>
-            <a:spLocks noGrp="1"/>
-          </p:cNvSpPr>
-          <p:nvPr>
-            <p:ph sz="half" idx="2"/>
-          </p:nvPr>
-        </p:nvSpPr>
-        <p:spPr/>
-        <p:txBody>
-          <a:bodyPr>
-            <a:normAutofit fontScale="92500" lnSpcReduction="20000"/>
-          </a:bodyPr>
-          <a:lstStyle/>
-          <a:p>
-            <a:pPr marL="342900" indent="-342900">
-              <a:lnSpc>
-                <a:spcPct val="107000"/>
-              </a:lnSpc>
-              <a:spcAft>
-                <a:spcPts val="800"/>
-              </a:spcAft>
-              <a:buFont typeface="Symbol" panose="05050102010706020507" pitchFamily="18" charset="2"/>
-              <a:buChar char=""/>
-            </a:pPr>
-            <a:r>
-              <a:rPr lang="en-GB" sz="1800" kern="100" dirty="0">
-                <a:latin typeface="Calibri" panose="020F0502020204030204" pitchFamily="34" charset="0"/>
-                <a:cs typeface="Arial" panose="020B0604020202020204" pitchFamily="34" charset="0"/>
-              </a:rPr>
-              <a:t>Plot showing the effect the number of neighbours has on the precision score, the other parameters of KNN were fixed in this experiment</a:t>
-            </a:r>
-            <a:endParaRPr lang="en-GB" sz="1800" kern="100" dirty="0">
-              <a:latin typeface="Calibri" panose="020F0502020204030204" pitchFamily="34" charset="0"/>
-              <a:ea typeface="Calibri" panose="020F0502020204030204" pitchFamily="34" charset="0"/>
-              <a:cs typeface="Arial" panose="020B0604020202020204" pitchFamily="34" charset="0"/>
-            </a:endParaRPr>
-          </a:p>
-          <a:p>
-            <a:pPr marL="342900" indent="-342900">
-              <a:lnSpc>
-                <a:spcPct val="107000"/>
-              </a:lnSpc>
-              <a:spcAft>
-                <a:spcPts val="800"/>
-              </a:spcAft>
-              <a:buFont typeface="Symbol" panose="05050102010706020507" pitchFamily="18" charset="2"/>
-              <a:buChar char=""/>
-            </a:pPr>
-            <a:r>
-              <a:rPr lang="en-GB" sz="1800" kern="100" dirty="0">
-                <a:latin typeface="Calibri" panose="020F0502020204030204" pitchFamily="34" charset="0"/>
-                <a:cs typeface="Arial" panose="020B0604020202020204" pitchFamily="34" charset="0"/>
-              </a:rPr>
-              <a:t>For k=1 we observe train-set score of </a:t>
-            </a:r>
-            <a:r>
-              <a:rPr lang="en-GB" sz="1800" kern="100" dirty="0">
-                <a:effectLst/>
-                <a:latin typeface="Calibri" panose="020F0502020204030204" pitchFamily="34" charset="0"/>
-                <a:ea typeface="Calibri" panose="020F0502020204030204" pitchFamily="34" charset="0"/>
-                <a:cs typeface="Arial" panose="020B0604020202020204" pitchFamily="34" charset="0"/>
-              </a:rPr>
-              <a:t>1, meaning no mistakes, but the worst test-set score as the model doesn’t generalizes (=overfitting)</a:t>
-            </a:r>
-            <a:endParaRPr lang="en-GB" sz="1800" kern="100" dirty="0">
-              <a:latin typeface="Calibri" panose="020F0502020204030204" pitchFamily="34" charset="0"/>
-              <a:ea typeface="Calibri" panose="020F0502020204030204" pitchFamily="34" charset="0"/>
-              <a:cs typeface="Arial" panose="020B0604020202020204" pitchFamily="34" charset="0"/>
-            </a:endParaRPr>
-          </a:p>
-          <a:p>
-            <a:pPr marL="342900" indent="-342900">
-              <a:lnSpc>
-                <a:spcPct val="107000"/>
-              </a:lnSpc>
-              <a:spcAft>
-                <a:spcPts val="800"/>
-              </a:spcAft>
-              <a:buFont typeface="Symbol" panose="05050102010706020507" pitchFamily="18" charset="2"/>
-              <a:buChar char=""/>
-            </a:pPr>
-            <a:r>
-              <a:rPr lang="en-GB" sz="1800" kern="100" dirty="0">
-                <a:effectLst/>
-                <a:latin typeface="Calibri" panose="020F0502020204030204" pitchFamily="34" charset="0"/>
-                <a:ea typeface="Calibri" panose="020F0502020204030204" pitchFamily="34" charset="0"/>
-                <a:cs typeface="Arial" panose="020B0604020202020204" pitchFamily="34" charset="0"/>
-              </a:rPr>
-              <a:t>For growing k up to about 12 , we observe a decrease of train score and increase of test-score</a:t>
-            </a:r>
-            <a:endParaRPr lang="en-GB" sz="1800" kern="100" dirty="0">
-              <a:latin typeface="Calibri" panose="020F0502020204030204" pitchFamily="34" charset="0"/>
-              <a:ea typeface="Calibri" panose="020F0502020204030204" pitchFamily="34" charset="0"/>
-              <a:cs typeface="Arial" panose="020B0604020202020204" pitchFamily="34" charset="0"/>
-            </a:endParaRPr>
-          </a:p>
-          <a:p>
-            <a:pPr marL="342900" indent="-342900">
-              <a:lnSpc>
-                <a:spcPct val="107000"/>
-              </a:lnSpc>
-              <a:spcAft>
-                <a:spcPts val="800"/>
-              </a:spcAft>
-              <a:buFont typeface="Symbol" panose="05050102010706020507" pitchFamily="18" charset="2"/>
-              <a:buChar char=""/>
-            </a:pPr>
-            <a:r>
-              <a:rPr lang="en-GB" sz="1800" kern="100" dirty="0">
-                <a:latin typeface="Calibri" panose="020F0502020204030204" pitchFamily="34" charset="0"/>
-                <a:ea typeface="Calibri" panose="020F0502020204030204" pitchFamily="34" charset="0"/>
-                <a:cs typeface="Arial" panose="020B0604020202020204" pitchFamily="34" charset="0"/>
-              </a:rPr>
-              <a:t>For larger k, both the train- and test-score go down, (the test-set only slightly) due to the fact that the model generalizes to strong and can’t model smaller differences (=underfitting)</a:t>
-            </a:r>
-          </a:p>
-          <a:p>
-            <a:pPr marL="342900" indent="-342900">
-              <a:lnSpc>
-                <a:spcPct val="107000"/>
-              </a:lnSpc>
-              <a:spcAft>
-                <a:spcPts val="800"/>
-              </a:spcAft>
-              <a:buFont typeface="Symbol" panose="05050102010706020507" pitchFamily="18" charset="2"/>
-              <a:buChar char=""/>
-            </a:pPr>
-            <a:r>
-              <a:rPr lang="en-GB" sz="1800" kern="100" dirty="0">
-                <a:latin typeface="Calibri" panose="020F0502020204030204" pitchFamily="34" charset="0"/>
-                <a:ea typeface="Calibri" panose="020F0502020204030204" pitchFamily="34" charset="0"/>
-                <a:cs typeface="Arial" panose="020B0604020202020204" pitchFamily="34" charset="0"/>
-              </a:rPr>
-              <a:t>From this plot we would expect to get the best performance for a number of k of around 10-15</a:t>
-            </a:r>
-          </a:p>
-          <a:p>
-            <a:pPr marL="342900" indent="-342900">
-              <a:lnSpc>
-                <a:spcPct val="107000"/>
-              </a:lnSpc>
-              <a:spcAft>
-                <a:spcPts val="800"/>
-              </a:spcAft>
-              <a:buFont typeface="Symbol" panose="05050102010706020507" pitchFamily="18" charset="2"/>
-              <a:buChar char=""/>
-            </a:pPr>
-            <a:endParaRPr lang="en-GB" sz="1800" kern="100" dirty="0">
-              <a:latin typeface="Calibri" panose="020F0502020204030204" pitchFamily="34" charset="0"/>
-              <a:ea typeface="Calibri" panose="020F0502020204030204" pitchFamily="34" charset="0"/>
-              <a:cs typeface="Arial" panose="020B0604020202020204" pitchFamily="34" charset="0"/>
-            </a:endParaRPr>
-          </a:p>
-          <a:p>
-            <a:pPr marL="342900" lvl="0" indent="-342900">
-              <a:lnSpc>
-                <a:spcPct val="107000"/>
-              </a:lnSpc>
-              <a:spcAft>
-                <a:spcPts val="800"/>
-              </a:spcAft>
-              <a:buFont typeface="Symbol" panose="05050102010706020507" pitchFamily="18" charset="2"/>
-              <a:buChar char=""/>
-            </a:pPr>
-            <a:endParaRPr lang="en-GB" sz="1800" kern="100" dirty="0">
-              <a:latin typeface="Calibri" panose="020F0502020204030204" pitchFamily="34" charset="0"/>
-              <a:ea typeface="Calibri" panose="020F0502020204030204" pitchFamily="34" charset="0"/>
-              <a:cs typeface="Arial" panose="020B0604020202020204" pitchFamily="34" charset="0"/>
-            </a:endParaRPr>
-          </a:p>
-          <a:p>
-            <a:pPr marL="342900" lvl="0" indent="-342900">
-              <a:lnSpc>
-                <a:spcPct val="107000"/>
-              </a:lnSpc>
-              <a:spcAft>
-                <a:spcPts val="800"/>
-              </a:spcAft>
-              <a:buFont typeface="Symbol" panose="05050102010706020507" pitchFamily="18" charset="2"/>
-              <a:buChar char=""/>
-            </a:pPr>
-            <a:endParaRPr lang="en-GB" sz="1800" kern="100" dirty="0">
-              <a:latin typeface="Calibri" panose="020F0502020204030204" pitchFamily="34" charset="0"/>
-              <a:ea typeface="Calibri" panose="020F0502020204030204" pitchFamily="34" charset="0"/>
-              <a:cs typeface="Arial" panose="020B0604020202020204" pitchFamily="34" charset="0"/>
-            </a:endParaRPr>
-          </a:p>
-          <a:p>
-            <a:pPr marL="342900" lvl="0" indent="-342900">
-              <a:lnSpc>
-                <a:spcPct val="107000"/>
-              </a:lnSpc>
-              <a:spcAft>
-                <a:spcPts val="800"/>
-              </a:spcAft>
-              <a:buFont typeface="Symbol" panose="05050102010706020507" pitchFamily="18" charset="2"/>
-              <a:buChar char=""/>
-            </a:pPr>
-            <a:endParaRPr lang="de-DE" sz="1800" kern="100" dirty="0">
-              <a:effectLst/>
-              <a:latin typeface="Calibri" panose="020F0502020204030204" pitchFamily="34" charset="0"/>
-              <a:ea typeface="Calibri" panose="020F0502020204030204" pitchFamily="34" charset="0"/>
-              <a:cs typeface="Arial" panose="020B0604020202020204" pitchFamily="34" charset="0"/>
-            </a:endParaRPr>
-          </a:p>
-          <a:p>
-            <a:endParaRPr lang="de-DE" sz="1800" kern="100" dirty="0">
-              <a:effectLst/>
-              <a:latin typeface="Calibri" panose="020F0502020204030204" pitchFamily="34" charset="0"/>
-              <a:ea typeface="Calibri" panose="020F0502020204030204" pitchFamily="34" charset="0"/>
-              <a:cs typeface="Arial" panose="020B0604020202020204" pitchFamily="34" charset="0"/>
-            </a:endParaRPr>
-          </a:p>
-          <a:p>
-            <a:endParaRPr lang="de-DE" dirty="0"/>
-          </a:p>
-        </p:txBody>
-      </p:sp>
-      <p:sp>
-        <p:nvSpPr>
-          <p:cNvPr id="6" name="Inhaltsplatzhalter 5">
-            <a:extLst>
-              <a:ext uri="{FF2B5EF4-FFF2-40B4-BE49-F238E27FC236}">
-                <a16:creationId xmlns:a16="http://schemas.microsoft.com/office/drawing/2014/main" id="{12FA3298-4917-2859-0A4B-5B1AA9871EFF}"/>
+              <a:t>Evaluation criterions</a:t>
+            </a:r>
+          </a:p>
+        </p:txBody>
+      </p:sp>
+      <p:sp>
+        <p:nvSpPr>
+          <p:cNvPr id="3" name="Content Placeholder 2">
+            <a:extLst>
+              <a:ext uri="{FF2B5EF4-FFF2-40B4-BE49-F238E27FC236}">
+                <a16:creationId xmlns:a16="http://schemas.microsoft.com/office/drawing/2014/main" id="{CED8DFE8-0EDF-6E9C-D9D1-E46618443706}"/>
               </a:ext>
             </a:extLst>
           </p:cNvPr>
@@ -4375,51 +5123,42 @@
             <p:ph sz="half" idx="1"/>
           </p:nvPr>
         </p:nvSpPr>
-        <p:spPr/>
-        <p:txBody>
-          <a:bodyPr>
-            <a:normAutofit fontScale="92500" lnSpcReduction="20000"/>
-          </a:bodyPr>
-          <a:lstStyle/>
-          <a:p>
-            <a:endParaRPr lang="en-GB"/>
-          </a:p>
-        </p:txBody>
-      </p:sp>
-      <p:pic>
-        <p:nvPicPr>
-          <p:cNvPr id="8" name="Grafik 7">
-            <a:extLst>
-              <a:ext uri="{FF2B5EF4-FFF2-40B4-BE49-F238E27FC236}">
-                <a16:creationId xmlns:a16="http://schemas.microsoft.com/office/drawing/2014/main" id="{82B2C0A5-CC31-FC95-1571-62FB1EB6BB7D}"/>
-              </a:ext>
-            </a:extLst>
-          </p:cNvPr>
-          <p:cNvPicPr>
-            <a:picLocks noChangeAspect="1"/>
-          </p:cNvPicPr>
-          <p:nvPr/>
-        </p:nvPicPr>
-        <p:blipFill>
-          <a:blip r:embed="rId2"/>
-          <a:stretch>
-            <a:fillRect/>
-          </a:stretch>
-        </p:blipFill>
         <p:spPr>
           <a:xfrm>
-            <a:off x="838200" y="1825625"/>
-            <a:ext cx="4782217" cy="3362794"/>
+            <a:off x="838199" y="1825625"/>
+            <a:ext cx="10515599" cy="4351338"/>
           </a:xfrm>
-          <a:prstGeom prst="rect">
-            <a:avLst/>
-          </a:prstGeom>
         </p:spPr>
-      </p:pic>
+        <p:txBody>
+          <a:bodyPr/>
+          <a:lstStyle/>
+          <a:p>
+            <a:r>
+              <a:rPr lang="de-DE" dirty="0"/>
+              <a:t>Crit for overfitting</a:t>
+            </a:r>
+          </a:p>
+          <a:p>
+            <a:endParaRPr lang="de-DE" dirty="0"/>
+          </a:p>
+          <a:p>
+            <a:endParaRPr lang="de-DE" dirty="0"/>
+          </a:p>
+          <a:p>
+            <a:endParaRPr lang="de-DE" dirty="0"/>
+          </a:p>
+          <a:p>
+            <a:r>
+              <a:rPr lang="de-DE" dirty="0"/>
+              <a:t>To compare the different model classes we used precision-recall curves where we chose macro averaging over the seven classes since we have unequal amounts of samples for each class.  </a:t>
+            </a:r>
+          </a:p>
+        </p:txBody>
+      </p:sp>
     </p:spTree>
     <p:extLst>
       <p:ext uri="{BB962C8B-B14F-4D97-AF65-F5344CB8AC3E}">
-        <p14:creationId xmlns:p14="http://schemas.microsoft.com/office/powerpoint/2010/main" val="1276913138"/>
+        <p14:creationId xmlns:p14="http://schemas.microsoft.com/office/powerpoint/2010/main" val="3027929943"/>
       </p:ext>
     </p:extLst>
   </p:cSld>
@@ -4451,7 +5190,7 @@
           <p:cNvPr id="2" name="Titel 1">
             <a:extLst>
               <a:ext uri="{FF2B5EF4-FFF2-40B4-BE49-F238E27FC236}">
-                <a16:creationId xmlns:a16="http://schemas.microsoft.com/office/drawing/2014/main" id="{558037CC-B08A-363F-4884-0A66AE35D302}"/>
+                <a16:creationId xmlns:a16="http://schemas.microsoft.com/office/drawing/2014/main" id="{A49D1A23-08C9-07BE-77D5-E185B87A1AE1}"/>
               </a:ext>
             </a:extLst>
           </p:cNvPr>
@@ -4468,18 +5207,258 @@
           <a:lstStyle/>
           <a:p>
             <a:r>
-              <a:rPr lang="en-GB" dirty="0"/>
-              <a:t>KNN: Parameter Grid Search / best parameters</a:t>
-            </a:r>
-          </a:p>
-        </p:txBody>
-      </p:sp>
-      <p:sp>
-        <p:nvSpPr>
-          <p:cNvPr id="3" name="Inhaltsplatzhalter 2">
-            <a:extLst>
-              <a:ext uri="{FF2B5EF4-FFF2-40B4-BE49-F238E27FC236}">
-                <a16:creationId xmlns:a16="http://schemas.microsoft.com/office/drawing/2014/main" id="{EE355703-50C6-E35D-362A-E1CE98C10D53}"/>
+              <a:rPr lang="de-DE" dirty="0"/>
+              <a:t>KNN: </a:t>
+            </a:r>
+            <a:r>
+              <a:rPr lang="de-DE" dirty="0" err="1"/>
+              <a:t>Overfitting</a:t>
+            </a:r>
+            <a:r>
+              <a:rPr lang="de-DE" dirty="0"/>
+              <a:t>/</a:t>
+            </a:r>
+            <a:r>
+              <a:rPr lang="de-DE" dirty="0" err="1"/>
+              <a:t>Underfitting</a:t>
+            </a:r>
+            <a:endParaRPr lang="de-DE" dirty="0"/>
+          </a:p>
+        </p:txBody>
+      </p:sp>
+      <p:sp>
+        <p:nvSpPr>
+          <p:cNvPr id="4" name="Inhaltsplatzhalter 3">
+            <a:extLst>
+              <a:ext uri="{FF2B5EF4-FFF2-40B4-BE49-F238E27FC236}">
+                <a16:creationId xmlns:a16="http://schemas.microsoft.com/office/drawing/2014/main" id="{846F905F-079D-3BCA-32F5-5F646C502B88}"/>
+              </a:ext>
+            </a:extLst>
+          </p:cNvPr>
+          <p:cNvSpPr>
+            <a:spLocks noGrp="1"/>
+          </p:cNvSpPr>
+          <p:nvPr>
+            <p:ph sz="half" idx="2"/>
+          </p:nvPr>
+        </p:nvSpPr>
+        <p:spPr/>
+        <p:txBody>
+          <a:bodyPr>
+            <a:normAutofit fontScale="92500" lnSpcReduction="20000"/>
+          </a:bodyPr>
+          <a:lstStyle/>
+          <a:p>
+            <a:pPr marL="342900" indent="-342900">
+              <a:lnSpc>
+                <a:spcPct val="107000"/>
+              </a:lnSpc>
+              <a:spcAft>
+                <a:spcPts val="800"/>
+              </a:spcAft>
+              <a:buFont typeface="Symbol" panose="05050102010706020507" pitchFamily="18" charset="2"/>
+              <a:buChar char=""/>
+            </a:pPr>
+            <a:r>
+              <a:rPr lang="en-GB" sz="1800" kern="100" dirty="0">
+                <a:latin typeface="Calibri" panose="020F0502020204030204" pitchFamily="34" charset="0"/>
+                <a:cs typeface="Arial" panose="020B0604020202020204" pitchFamily="34" charset="0"/>
+              </a:rPr>
+              <a:t>Plot showing the effect the number of neighbours has on the precision score, the other parameters of KNN were fixed in this experiment</a:t>
+            </a:r>
+            <a:endParaRPr lang="en-GB" sz="1800" kern="100" dirty="0">
+              <a:latin typeface="Calibri" panose="020F0502020204030204" pitchFamily="34" charset="0"/>
+              <a:ea typeface="Calibri" panose="020F0502020204030204" pitchFamily="34" charset="0"/>
+              <a:cs typeface="Arial" panose="020B0604020202020204" pitchFamily="34" charset="0"/>
+            </a:endParaRPr>
+          </a:p>
+          <a:p>
+            <a:pPr marL="342900" indent="-342900">
+              <a:lnSpc>
+                <a:spcPct val="107000"/>
+              </a:lnSpc>
+              <a:spcAft>
+                <a:spcPts val="800"/>
+              </a:spcAft>
+              <a:buFont typeface="Symbol" panose="05050102010706020507" pitchFamily="18" charset="2"/>
+              <a:buChar char=""/>
+            </a:pPr>
+            <a:r>
+              <a:rPr lang="en-GB" sz="1800" kern="100" dirty="0">
+                <a:latin typeface="Calibri" panose="020F0502020204030204" pitchFamily="34" charset="0"/>
+                <a:cs typeface="Arial" panose="020B0604020202020204" pitchFamily="34" charset="0"/>
+              </a:rPr>
+              <a:t>For k=1 we observe train-set score of </a:t>
+            </a:r>
+            <a:r>
+              <a:rPr lang="en-GB" sz="1800" kern="100" dirty="0">
+                <a:effectLst/>
+                <a:latin typeface="Calibri" panose="020F0502020204030204" pitchFamily="34" charset="0"/>
+                <a:ea typeface="Calibri" panose="020F0502020204030204" pitchFamily="34" charset="0"/>
+                <a:cs typeface="Arial" panose="020B0604020202020204" pitchFamily="34" charset="0"/>
+              </a:rPr>
+              <a:t>1, meaning no mistakes, but the worst test-set score as the model doesn’t generalizes (=overfitting)</a:t>
+            </a:r>
+            <a:endParaRPr lang="en-GB" sz="1800" kern="100" dirty="0">
+              <a:latin typeface="Calibri" panose="020F0502020204030204" pitchFamily="34" charset="0"/>
+              <a:ea typeface="Calibri" panose="020F0502020204030204" pitchFamily="34" charset="0"/>
+              <a:cs typeface="Arial" panose="020B0604020202020204" pitchFamily="34" charset="0"/>
+            </a:endParaRPr>
+          </a:p>
+          <a:p>
+            <a:pPr marL="342900" indent="-342900">
+              <a:lnSpc>
+                <a:spcPct val="107000"/>
+              </a:lnSpc>
+              <a:spcAft>
+                <a:spcPts val="800"/>
+              </a:spcAft>
+              <a:buFont typeface="Symbol" panose="05050102010706020507" pitchFamily="18" charset="2"/>
+              <a:buChar char=""/>
+            </a:pPr>
+            <a:r>
+              <a:rPr lang="en-GB" sz="1800" kern="100" dirty="0">
+                <a:effectLst/>
+                <a:latin typeface="Calibri" panose="020F0502020204030204" pitchFamily="34" charset="0"/>
+                <a:ea typeface="Calibri" panose="020F0502020204030204" pitchFamily="34" charset="0"/>
+                <a:cs typeface="Arial" panose="020B0604020202020204" pitchFamily="34" charset="0"/>
+              </a:rPr>
+              <a:t>For growing k up to about 12 , we observe a decrease of train score and increase of test-score</a:t>
+            </a:r>
+            <a:endParaRPr lang="en-GB" sz="1800" kern="100" dirty="0">
+              <a:latin typeface="Calibri" panose="020F0502020204030204" pitchFamily="34" charset="0"/>
+              <a:ea typeface="Calibri" panose="020F0502020204030204" pitchFamily="34" charset="0"/>
+              <a:cs typeface="Arial" panose="020B0604020202020204" pitchFamily="34" charset="0"/>
+            </a:endParaRPr>
+          </a:p>
+          <a:p>
+            <a:pPr marL="342900" indent="-342900">
+              <a:lnSpc>
+                <a:spcPct val="107000"/>
+              </a:lnSpc>
+              <a:spcAft>
+                <a:spcPts val="800"/>
+              </a:spcAft>
+              <a:buFont typeface="Symbol" panose="05050102010706020507" pitchFamily="18" charset="2"/>
+              <a:buChar char=""/>
+            </a:pPr>
+            <a:r>
+              <a:rPr lang="en-GB" sz="1800" kern="100" dirty="0">
+                <a:latin typeface="Calibri" panose="020F0502020204030204" pitchFamily="34" charset="0"/>
+                <a:ea typeface="Calibri" panose="020F0502020204030204" pitchFamily="34" charset="0"/>
+                <a:cs typeface="Arial" panose="020B0604020202020204" pitchFamily="34" charset="0"/>
+              </a:rPr>
+              <a:t>For larger k, both the train- and test-score go down, (the test-set only slightly) due to the fact that the model generalizes to strong and can’t model smaller differences (=underfitting)</a:t>
+            </a:r>
+          </a:p>
+          <a:p>
+            <a:pPr marL="342900" indent="-342900">
+              <a:lnSpc>
+                <a:spcPct val="107000"/>
+              </a:lnSpc>
+              <a:spcAft>
+                <a:spcPts val="800"/>
+              </a:spcAft>
+              <a:buFont typeface="Symbol" panose="05050102010706020507" pitchFamily="18" charset="2"/>
+              <a:buChar char=""/>
+            </a:pPr>
+            <a:r>
+              <a:rPr lang="en-GB" sz="1800" kern="100" dirty="0">
+                <a:latin typeface="Calibri" panose="020F0502020204030204" pitchFamily="34" charset="0"/>
+                <a:ea typeface="Calibri" panose="020F0502020204030204" pitchFamily="34" charset="0"/>
+                <a:cs typeface="Arial" panose="020B0604020202020204" pitchFamily="34" charset="0"/>
+              </a:rPr>
+              <a:t>From this plot we would expect to get the best performance for a number of k of around 10-15</a:t>
+            </a:r>
+          </a:p>
+          <a:p>
+            <a:pPr marL="342900" indent="-342900">
+              <a:lnSpc>
+                <a:spcPct val="107000"/>
+              </a:lnSpc>
+              <a:spcAft>
+                <a:spcPts val="800"/>
+              </a:spcAft>
+              <a:buFont typeface="Symbol" panose="05050102010706020507" pitchFamily="18" charset="2"/>
+              <a:buChar char=""/>
+            </a:pPr>
+            <a:endParaRPr lang="en-GB" sz="1800" kern="100" dirty="0">
+              <a:latin typeface="Calibri" panose="020F0502020204030204" pitchFamily="34" charset="0"/>
+              <a:ea typeface="Calibri" panose="020F0502020204030204" pitchFamily="34" charset="0"/>
+              <a:cs typeface="Arial" panose="020B0604020202020204" pitchFamily="34" charset="0"/>
+            </a:endParaRPr>
+          </a:p>
+          <a:p>
+            <a:pPr marL="342900" lvl="0" indent="-342900">
+              <a:lnSpc>
+                <a:spcPct val="107000"/>
+              </a:lnSpc>
+              <a:spcAft>
+                <a:spcPts val="800"/>
+              </a:spcAft>
+              <a:buFont typeface="Symbol" panose="05050102010706020507" pitchFamily="18" charset="2"/>
+              <a:buChar char=""/>
+            </a:pPr>
+            <a:endParaRPr lang="en-GB" sz="1800" kern="100" dirty="0">
+              <a:latin typeface="Calibri" panose="020F0502020204030204" pitchFamily="34" charset="0"/>
+              <a:ea typeface="Calibri" panose="020F0502020204030204" pitchFamily="34" charset="0"/>
+              <a:cs typeface="Arial" panose="020B0604020202020204" pitchFamily="34" charset="0"/>
+            </a:endParaRPr>
+          </a:p>
+          <a:p>
+            <a:pPr marL="342900" lvl="0" indent="-342900">
+              <a:lnSpc>
+                <a:spcPct val="107000"/>
+              </a:lnSpc>
+              <a:spcAft>
+                <a:spcPts val="800"/>
+              </a:spcAft>
+              <a:buFont typeface="Symbol" panose="05050102010706020507" pitchFamily="18" charset="2"/>
+              <a:buChar char=""/>
+            </a:pPr>
+            <a:endParaRPr lang="en-GB" sz="1800" kern="100" dirty="0">
+              <a:latin typeface="Calibri" panose="020F0502020204030204" pitchFamily="34" charset="0"/>
+              <a:ea typeface="Calibri" panose="020F0502020204030204" pitchFamily="34" charset="0"/>
+              <a:cs typeface="Arial" panose="020B0604020202020204" pitchFamily="34" charset="0"/>
+            </a:endParaRPr>
+          </a:p>
+          <a:p>
+            <a:pPr marL="342900" lvl="0" indent="-342900">
+              <a:lnSpc>
+                <a:spcPct val="107000"/>
+              </a:lnSpc>
+              <a:spcAft>
+                <a:spcPts val="800"/>
+              </a:spcAft>
+              <a:buFont typeface="Symbol" panose="05050102010706020507" pitchFamily="18" charset="2"/>
+              <a:buChar char=""/>
+            </a:pPr>
+            <a:endParaRPr lang="de-DE" sz="1800" kern="100" dirty="0">
+              <a:effectLst/>
+              <a:latin typeface="Calibri" panose="020F0502020204030204" pitchFamily="34" charset="0"/>
+              <a:ea typeface="Calibri" panose="020F0502020204030204" pitchFamily="34" charset="0"/>
+              <a:cs typeface="Arial" panose="020B0604020202020204" pitchFamily="34" charset="0"/>
+            </a:endParaRPr>
+          </a:p>
+          <a:p>
+            <a:endParaRPr lang="de-DE" sz="1800" kern="100" dirty="0">
+              <a:effectLst/>
+              <a:latin typeface="Calibri" panose="020F0502020204030204" pitchFamily="34" charset="0"/>
+              <a:ea typeface="Calibri" panose="020F0502020204030204" pitchFamily="34" charset="0"/>
+              <a:cs typeface="Arial" panose="020B0604020202020204" pitchFamily="34" charset="0"/>
+            </a:endParaRPr>
+          </a:p>
+          <a:p>
+            <a:endParaRPr lang="de-DE" dirty="0"/>
+          </a:p>
+        </p:txBody>
+      </p:sp>
+      <p:sp>
+        <p:nvSpPr>
+          <p:cNvPr id="6" name="Inhaltsplatzhalter 5">
+            <a:extLst>
+              <a:ext uri="{FF2B5EF4-FFF2-40B4-BE49-F238E27FC236}">
+                <a16:creationId xmlns:a16="http://schemas.microsoft.com/office/drawing/2014/main" id="{12FA3298-4917-2859-0A4B-5B1AA9871EFF}"/>
               </a:ext>
             </a:extLst>
           </p:cNvPr>
@@ -4490,91 +5469,51 @@
             <p:ph sz="half" idx="1"/>
           </p:nvPr>
         </p:nvSpPr>
+        <p:spPr/>
+        <p:txBody>
+          <a:bodyPr>
+            <a:normAutofit fontScale="92500" lnSpcReduction="20000"/>
+          </a:bodyPr>
+          <a:lstStyle/>
+          <a:p>
+            <a:endParaRPr lang="en-GB"/>
+          </a:p>
+        </p:txBody>
+      </p:sp>
+      <p:pic>
+        <p:nvPicPr>
+          <p:cNvPr id="8" name="Grafik 7">
+            <a:extLst>
+              <a:ext uri="{FF2B5EF4-FFF2-40B4-BE49-F238E27FC236}">
+                <a16:creationId xmlns:a16="http://schemas.microsoft.com/office/drawing/2014/main" id="{82B2C0A5-CC31-FC95-1571-62FB1EB6BB7D}"/>
+              </a:ext>
+            </a:extLst>
+          </p:cNvPr>
+          <p:cNvPicPr>
+            <a:picLocks noChangeAspect="1"/>
+          </p:cNvPicPr>
+          <p:nvPr/>
+        </p:nvPicPr>
+        <p:blipFill>
+          <a:blip r:embed="rId2"/>
+          <a:stretch>
+            <a:fillRect/>
+          </a:stretch>
+        </p:blipFill>
         <p:spPr>
           <a:xfrm>
-            <a:off x="838200" y="1825625"/>
-            <a:ext cx="10515600" cy="4351338"/>
+            <a:off x="838200" y="1825624"/>
+            <a:ext cx="5181600" cy="3643635"/>
           </a:xfrm>
+          <a:prstGeom prst="rect">
+            <a:avLst/>
+          </a:prstGeom>
         </p:spPr>
-        <p:txBody>
-          <a:bodyPr>
-            <a:normAutofit fontScale="92500"/>
-          </a:bodyPr>
-          <a:lstStyle/>
-          <a:p>
-            <a:r>
-              <a:rPr lang="en-GB" dirty="0"/>
-              <a:t>Number of features:</a:t>
-            </a:r>
-          </a:p>
-          <a:p>
-            <a:pPr lvl="1"/>
-            <a:r>
-              <a:rPr lang="en-GB" dirty="0"/>
-              <a:t>Several different numbers of features were tried </a:t>
-            </a:r>
-          </a:p>
-          <a:p>
-            <a:pPr lvl="1"/>
-            <a:r>
-              <a:rPr lang="en-GB" dirty="0"/>
-              <a:t>For 50 features the performance was already rather good</a:t>
-            </a:r>
-          </a:p>
-          <a:p>
-            <a:pPr lvl="1"/>
-            <a:r>
-              <a:rPr lang="en-GB" dirty="0"/>
-              <a:t>Using more features only increased the performance by a bit but heavily increased the training and prediction time</a:t>
-            </a:r>
-          </a:p>
-          <a:p>
-            <a:r>
-              <a:rPr lang="en-GB" dirty="0"/>
-              <a:t>For “number of neighbours”, “weights” and “algorithm” a Randomized Search was performed to find the best combination of parameters</a:t>
-            </a:r>
-          </a:p>
-          <a:p>
-            <a:r>
-              <a:rPr lang="en-GB" dirty="0"/>
-              <a:t>Options for Randomized Search:</a:t>
-            </a:r>
-          </a:p>
-          <a:p>
-            <a:pPr lvl="1"/>
-            <a:r>
-              <a:rPr lang="en-GB" dirty="0"/>
-              <a:t>Number of neighbours: [5, 10, 12, 16,18]</a:t>
-            </a:r>
-          </a:p>
-          <a:p>
-            <a:pPr lvl="1"/>
-            <a:r>
-              <a:rPr lang="en-GB" dirty="0"/>
-              <a:t>Weights: [uniform, distance]</a:t>
-            </a:r>
-          </a:p>
-          <a:p>
-            <a:pPr lvl="1"/>
-            <a:r>
-              <a:rPr lang="en-GB" dirty="0"/>
-              <a:t>Algorithm: [auto, ball tree, </a:t>
-            </a:r>
-            <a:r>
-              <a:rPr lang="en-GB" dirty="0" err="1"/>
-              <a:t>kd</a:t>
-            </a:r>
-            <a:r>
-              <a:rPr lang="en-GB" dirty="0"/>
-              <a:t> tree, brute]</a:t>
-            </a:r>
-          </a:p>
-        </p:txBody>
-      </p:sp>
+      </p:pic>
     </p:spTree>
     <p:extLst>
       <p:ext uri="{BB962C8B-B14F-4D97-AF65-F5344CB8AC3E}">
-        <p14:creationId xmlns:p14="http://schemas.microsoft.com/office/powerpoint/2010/main" val="596370569"/>
+        <p14:creationId xmlns:p14="http://schemas.microsoft.com/office/powerpoint/2010/main" val="1276913138"/>
       </p:ext>
     </p:extLst>
   </p:cSld>
@@ -4606,7 +5545,7 @@
           <p:cNvPr id="2" name="Titel 1">
             <a:extLst>
               <a:ext uri="{FF2B5EF4-FFF2-40B4-BE49-F238E27FC236}">
-                <a16:creationId xmlns:a16="http://schemas.microsoft.com/office/drawing/2014/main" id="{7AA55654-C912-2FF1-58D0-B46AB6D36041}"/>
+                <a16:creationId xmlns:a16="http://schemas.microsoft.com/office/drawing/2014/main" id="{558037CC-B08A-363F-4884-0A66AE35D302}"/>
               </a:ext>
             </a:extLst>
           </p:cNvPr>
@@ -4634,25 +5573,94 @@
           <p:cNvPr id="3" name="Inhaltsplatzhalter 2">
             <a:extLst>
               <a:ext uri="{FF2B5EF4-FFF2-40B4-BE49-F238E27FC236}">
-                <a16:creationId xmlns:a16="http://schemas.microsoft.com/office/drawing/2014/main" id="{9D44BF15-FD9D-6978-0704-291A54BCFDBF}"/>
-              </a:ext>
-            </a:extLst>
-          </p:cNvPr>
-          <p:cNvSpPr>
-            <a:spLocks noGrp="1"/>
-          </p:cNvSpPr>
-          <p:nvPr>
-            <p:ph idx="1"/>
-          </p:nvPr>
-        </p:nvSpPr>
-        <p:spPr/>
-        <p:txBody>
-          <a:bodyPr/>
+                <a16:creationId xmlns:a16="http://schemas.microsoft.com/office/drawing/2014/main" id="{EE355703-50C6-E35D-362A-E1CE98C10D53}"/>
+              </a:ext>
+            </a:extLst>
+          </p:cNvPr>
+          <p:cNvSpPr>
+            <a:spLocks noGrp="1"/>
+          </p:cNvSpPr>
+          <p:nvPr>
+            <p:ph sz="half" idx="1"/>
+          </p:nvPr>
+        </p:nvSpPr>
+        <p:spPr>
+          <a:xfrm>
+            <a:off x="838200" y="1825625"/>
+            <a:ext cx="10515600" cy="4351338"/>
+          </a:xfrm>
+        </p:spPr>
+        <p:txBody>
+          <a:bodyPr>
+            <a:normAutofit fontScale="92500"/>
+          </a:bodyPr>
           <a:lstStyle/>
           <a:p>
             <a:r>
               <a:rPr lang="en-GB" dirty="0"/>
-              <a:t>Best parameters:</a:t>
+              <a:t>Number of features:</a:t>
+            </a:r>
+          </a:p>
+          <a:p>
+            <a:pPr lvl="1"/>
+            <a:r>
+              <a:rPr lang="en-GB" dirty="0"/>
+              <a:t>Several different numbers of features were tried </a:t>
+            </a:r>
+          </a:p>
+          <a:p>
+            <a:pPr lvl="1"/>
+            <a:r>
+              <a:rPr lang="en-GB" dirty="0"/>
+              <a:t>For 50 features the performance was already rather good</a:t>
+            </a:r>
+          </a:p>
+          <a:p>
+            <a:pPr lvl="1"/>
+            <a:r>
+              <a:rPr lang="en-GB" dirty="0"/>
+              <a:t>Using more features only increased the performance by a bit but heavily increased the training and prediction time</a:t>
+            </a:r>
+          </a:p>
+          <a:p>
+            <a:r>
+              <a:rPr lang="en-GB" dirty="0"/>
+              <a:t>For “number of neighbours”, “weights” and “algorithm” a Randomized Search was performed to find the best combination of parameters</a:t>
+            </a:r>
+          </a:p>
+          <a:p>
+            <a:r>
+              <a:rPr lang="en-GB" dirty="0"/>
+              <a:t>Options for Randomized Search:</a:t>
+            </a:r>
+          </a:p>
+          <a:p>
+            <a:pPr lvl="1"/>
+            <a:r>
+              <a:rPr lang="en-GB" dirty="0"/>
+              <a:t>Number of neighbours: [5, 10, 12, 16,18]</a:t>
+            </a:r>
+          </a:p>
+          <a:p>
+            <a:pPr lvl="1"/>
+            <a:r>
+              <a:rPr lang="en-GB" dirty="0"/>
+              <a:t>Weights: [uniform, distance]</a:t>
+            </a:r>
+          </a:p>
+          <a:p>
+            <a:pPr lvl="1"/>
+            <a:r>
+              <a:rPr lang="en-GB" dirty="0"/>
+              <a:t>Algorithm: [auto, ball tree, </a:t>
+            </a:r>
+            <a:r>
+              <a:rPr lang="en-GB" dirty="0" err="1"/>
+              <a:t>kd</a:t>
+            </a:r>
+            <a:r>
+              <a:rPr lang="en-GB" dirty="0"/>
+              <a:t> tree, brute]</a:t>
             </a:r>
           </a:p>
         </p:txBody>
@@ -4660,7 +5668,7 @@
     </p:spTree>
     <p:extLst>
       <p:ext uri="{BB962C8B-B14F-4D97-AF65-F5344CB8AC3E}">
-        <p14:creationId xmlns:p14="http://schemas.microsoft.com/office/powerpoint/2010/main" val="2636019066"/>
+        <p14:creationId xmlns:p14="http://schemas.microsoft.com/office/powerpoint/2010/main" val="596370569"/>
       </p:ext>
     </p:extLst>
   </p:cSld>
@@ -4692,7 +5700,7 @@
           <p:cNvPr id="2" name="Titel 1">
             <a:extLst>
               <a:ext uri="{FF2B5EF4-FFF2-40B4-BE49-F238E27FC236}">
-                <a16:creationId xmlns:a16="http://schemas.microsoft.com/office/drawing/2014/main" id="{D0E05852-19AE-038D-0D95-68153D3D5FDF}"/>
+                <a16:creationId xmlns:a16="http://schemas.microsoft.com/office/drawing/2014/main" id="{7AA55654-C912-2FF1-58D0-B46AB6D36041}"/>
               </a:ext>
             </a:extLst>
           </p:cNvPr>
@@ -4710,25 +5718,25 @@
           <a:p>
             <a:r>
               <a:rPr lang="en-GB" dirty="0"/>
-              <a:t>KNN: Results </a:t>
-            </a:r>
-          </a:p>
-        </p:txBody>
-      </p:sp>
-      <p:sp>
-        <p:nvSpPr>
-          <p:cNvPr id="4" name="Inhaltsplatzhalter 3">
-            <a:extLst>
-              <a:ext uri="{FF2B5EF4-FFF2-40B4-BE49-F238E27FC236}">
-                <a16:creationId xmlns:a16="http://schemas.microsoft.com/office/drawing/2014/main" id="{9C19452B-4E59-C18A-650B-6DA66E982236}"/>
-              </a:ext>
-            </a:extLst>
-          </p:cNvPr>
-          <p:cNvSpPr>
-            <a:spLocks noGrp="1"/>
-          </p:cNvSpPr>
-          <p:nvPr>
-            <p:ph sz="half" idx="2"/>
+              <a:t>KNN: Parameter Grid Search / best parameters</a:t>
+            </a:r>
+          </a:p>
+        </p:txBody>
+      </p:sp>
+      <p:sp>
+        <p:nvSpPr>
+          <p:cNvPr id="3" name="Inhaltsplatzhalter 2">
+            <a:extLst>
+              <a:ext uri="{FF2B5EF4-FFF2-40B4-BE49-F238E27FC236}">
+                <a16:creationId xmlns:a16="http://schemas.microsoft.com/office/drawing/2014/main" id="{9D44BF15-FD9D-6978-0704-291A54BCFDBF}"/>
+              </a:ext>
+            </a:extLst>
+          </p:cNvPr>
+          <p:cNvSpPr>
+            <a:spLocks noGrp="1"/>
+          </p:cNvSpPr>
+          <p:nvPr>
+            <p:ph idx="1"/>
           </p:nvPr>
         </p:nvSpPr>
         <p:spPr/>
@@ -4736,43 +5744,17 @@
           <a:bodyPr/>
           <a:lstStyle/>
           <a:p>
-            <a:endParaRPr lang="en-GB" dirty="0"/>
-          </a:p>
-        </p:txBody>
-      </p:sp>
-      <p:pic>
-        <p:nvPicPr>
-          <p:cNvPr id="7" name="Inhaltsplatzhalter 6">
-            <a:extLst>
-              <a:ext uri="{FF2B5EF4-FFF2-40B4-BE49-F238E27FC236}">
-                <a16:creationId xmlns:a16="http://schemas.microsoft.com/office/drawing/2014/main" id="{628C84FC-FA60-9207-0A8E-7EFC4A07400E}"/>
-              </a:ext>
-            </a:extLst>
-          </p:cNvPr>
-          <p:cNvPicPr>
-            <a:picLocks noGrp="1" noChangeAspect="1"/>
-          </p:cNvPicPr>
-          <p:nvPr>
-            <p:ph sz="half" idx="1"/>
-          </p:nvPr>
-        </p:nvPicPr>
-        <p:blipFill>
-          <a:blip r:embed="rId2"/>
-          <a:stretch>
-            <a:fillRect/>
-          </a:stretch>
-        </p:blipFill>
-        <p:spPr>
-          <a:xfrm>
-            <a:off x="1194980" y="1825625"/>
-            <a:ext cx="4040527" cy="4351338"/>
-          </a:xfrm>
-        </p:spPr>
-      </p:pic>
+            <a:r>
+              <a:rPr lang="en-GB" dirty="0"/>
+              <a:t>Best parameters:</a:t>
+            </a:r>
+          </a:p>
+        </p:txBody>
+      </p:sp>
     </p:spTree>
     <p:extLst>
       <p:ext uri="{BB962C8B-B14F-4D97-AF65-F5344CB8AC3E}">
-        <p14:creationId xmlns:p14="http://schemas.microsoft.com/office/powerpoint/2010/main" val="4100155615"/>
+        <p14:creationId xmlns:p14="http://schemas.microsoft.com/office/powerpoint/2010/main" val="2636019066"/>
       </p:ext>
     </p:extLst>
   </p:cSld>
@@ -4801,10 +5783,10 @@
       </p:grpSpPr>
       <p:sp>
         <p:nvSpPr>
-          <p:cNvPr id="2" name="Title 1">
-            <a:extLst>
-              <a:ext uri="{FF2B5EF4-FFF2-40B4-BE49-F238E27FC236}">
-                <a16:creationId xmlns:a16="http://schemas.microsoft.com/office/drawing/2014/main" id="{BBDE8120-415F-D3C4-4575-EB5825A2F0D4}"/>
+          <p:cNvPr id="2" name="Titel 1">
+            <a:extLst>
+              <a:ext uri="{FF2B5EF4-FFF2-40B4-BE49-F238E27FC236}">
+                <a16:creationId xmlns:a16="http://schemas.microsoft.com/office/drawing/2014/main" id="{D0E05852-19AE-038D-0D95-68153D3D5FDF}"/>
               </a:ext>
             </a:extLst>
           </p:cNvPr>
@@ -4821,78 +5803,70 @@
           <a:lstStyle/>
           <a:p>
             <a:r>
-              <a:rPr lang="de-DE"/>
-              <a:t>Random forest: Overfitting/Underfitting</a:t>
-            </a:r>
-          </a:p>
-        </p:txBody>
-      </p:sp>
-      <p:sp>
-        <p:nvSpPr>
-          <p:cNvPr id="3" name="Content Placeholder 2">
-            <a:extLst>
-              <a:ext uri="{FF2B5EF4-FFF2-40B4-BE49-F238E27FC236}">
-                <a16:creationId xmlns:a16="http://schemas.microsoft.com/office/drawing/2014/main" id="{1070DC16-1172-640E-4387-8389E71DAED7}"/>
-              </a:ext>
-            </a:extLst>
-          </p:cNvPr>
-          <p:cNvSpPr>
-            <a:spLocks noGrp="1"/>
-          </p:cNvSpPr>
+              <a:rPr lang="en-GB" dirty="0"/>
+              <a:t>KNN: Results </a:t>
+            </a:r>
+          </a:p>
+        </p:txBody>
+      </p:sp>
+      <p:sp>
+        <p:nvSpPr>
+          <p:cNvPr id="4" name="Inhaltsplatzhalter 3">
+            <a:extLst>
+              <a:ext uri="{FF2B5EF4-FFF2-40B4-BE49-F238E27FC236}">
+                <a16:creationId xmlns:a16="http://schemas.microsoft.com/office/drawing/2014/main" id="{9C19452B-4E59-C18A-650B-6DA66E982236}"/>
+              </a:ext>
+            </a:extLst>
+          </p:cNvPr>
+          <p:cNvSpPr>
+            <a:spLocks noGrp="1"/>
+          </p:cNvSpPr>
+          <p:nvPr>
+            <p:ph sz="half" idx="2"/>
+          </p:nvPr>
+        </p:nvSpPr>
+        <p:spPr/>
+        <p:txBody>
+          <a:bodyPr/>
+          <a:lstStyle/>
+          <a:p>
+            <a:endParaRPr lang="en-GB" dirty="0"/>
+          </a:p>
+        </p:txBody>
+      </p:sp>
+      <p:pic>
+        <p:nvPicPr>
+          <p:cNvPr id="7" name="Inhaltsplatzhalter 6">
+            <a:extLst>
+              <a:ext uri="{FF2B5EF4-FFF2-40B4-BE49-F238E27FC236}">
+                <a16:creationId xmlns:a16="http://schemas.microsoft.com/office/drawing/2014/main" id="{628C84FC-FA60-9207-0A8E-7EFC4A07400E}"/>
+              </a:ext>
+            </a:extLst>
+          </p:cNvPr>
+          <p:cNvPicPr>
+            <a:picLocks noGrp="1" noChangeAspect="1"/>
+          </p:cNvPicPr>
           <p:nvPr>
             <p:ph sz="half" idx="1"/>
           </p:nvPr>
-        </p:nvSpPr>
-        <p:spPr/>
-        <p:txBody>
-          <a:bodyPr/>
-          <a:lstStyle/>
-          <a:p>
-            <a:endParaRPr lang="de-DE"/>
-          </a:p>
-        </p:txBody>
-      </p:sp>
-      <p:sp>
-        <p:nvSpPr>
-          <p:cNvPr id="4" name="Content Placeholder 3">
-            <a:extLst>
-              <a:ext uri="{FF2B5EF4-FFF2-40B4-BE49-F238E27FC236}">
-                <a16:creationId xmlns:a16="http://schemas.microsoft.com/office/drawing/2014/main" id="{DB417A8C-684E-F866-2090-5BCBD83D5503}"/>
-              </a:ext>
-            </a:extLst>
-          </p:cNvPr>
-          <p:cNvSpPr>
-            <a:spLocks noGrp="1"/>
-          </p:cNvSpPr>
-          <p:nvPr>
-            <p:ph sz="half" idx="2"/>
-          </p:nvPr>
-        </p:nvSpPr>
-        <p:spPr/>
-        <p:txBody>
-          <a:bodyPr/>
-          <a:lstStyle/>
-          <a:p>
-            <a:r>
-              <a:rPr lang="de-DE" dirty="0"/>
-              <a:t>The plots show all different parameter combinations from the grid</a:t>
-            </a:r>
-          </a:p>
-          <a:p>
-            <a:r>
-              <a:rPr lang="de-DE" dirty="0"/>
-              <a:t>As expected, overfitting is not really a problem for random forests and only occurs when using a small amount of trees and </a:t>
-            </a:r>
-          </a:p>
-          <a:p>
-            <a:endParaRPr lang="de-DE" dirty="0"/>
-          </a:p>
-        </p:txBody>
-      </p:sp>
+        </p:nvPicPr>
+        <p:blipFill>
+          <a:blip r:embed="rId2"/>
+          <a:stretch>
+            <a:fillRect/>
+          </a:stretch>
+        </p:blipFill>
+        <p:spPr>
+          <a:xfrm>
+            <a:off x="1194980" y="1825625"/>
+            <a:ext cx="4040527" cy="4351338"/>
+          </a:xfrm>
+        </p:spPr>
+      </p:pic>
     </p:spTree>
     <p:extLst>
       <p:ext uri="{BB962C8B-B14F-4D97-AF65-F5344CB8AC3E}">
-        <p14:creationId xmlns:p14="http://schemas.microsoft.com/office/powerpoint/2010/main" val="3989929787"/>
+        <p14:creationId xmlns:p14="http://schemas.microsoft.com/office/powerpoint/2010/main" val="4100155615"/>
       </p:ext>
     </p:extLst>
   </p:cSld>

--- a/Task 3.pptx
+++ b/Task 3.pptx
@@ -8,7 +8,7 @@
     <p:sldId id="256" r:id="rId2"/>
     <p:sldId id="260" r:id="rId3"/>
     <p:sldId id="261" r:id="rId4"/>
-    <p:sldId id="262" r:id="rId5"/>
+    <p:sldId id="270" r:id="rId5"/>
     <p:sldId id="269" r:id="rId6"/>
     <p:sldId id="259" r:id="rId7"/>
     <p:sldId id="263" r:id="rId8"/>
@@ -312,6 +312,37 @@
       </pc:sldChg>
     </pc:docChg>
   </pc:docChgLst>
+  <pc:docChgLst>
+    <pc:chgData name="Sandro Assek" userId="c00f4fa3-2fb0-4ff2-817b-9b12cde38168" providerId="ADAL" clId="{3E78E571-0358-4538-810C-9FCD0236EE78}"/>
+    <pc:docChg chg="addSld delSld modSld">
+      <pc:chgData name="Sandro Assek" userId="c00f4fa3-2fb0-4ff2-817b-9b12cde38168" providerId="ADAL" clId="{3E78E571-0358-4538-810C-9FCD0236EE78}" dt="2023-05-17T13:15:22.190" v="10" actId="20577"/>
+      <pc:docMkLst>
+        <pc:docMk/>
+      </pc:docMkLst>
+      <pc:sldChg chg="del">
+        <pc:chgData name="Sandro Assek" userId="c00f4fa3-2fb0-4ff2-817b-9b12cde38168" providerId="ADAL" clId="{3E78E571-0358-4538-810C-9FCD0236EE78}" dt="2023-05-17T13:15:07.198" v="1" actId="2696"/>
+        <pc:sldMkLst>
+          <pc:docMk/>
+          <pc:sldMk cId="3106440683" sldId="262"/>
+        </pc:sldMkLst>
+      </pc:sldChg>
+      <pc:sldChg chg="modSp add">
+        <pc:chgData name="Sandro Assek" userId="c00f4fa3-2fb0-4ff2-817b-9b12cde38168" providerId="ADAL" clId="{3E78E571-0358-4538-810C-9FCD0236EE78}" dt="2023-05-17T13:15:22.190" v="10" actId="20577"/>
+        <pc:sldMkLst>
+          <pc:docMk/>
+          <pc:sldMk cId="963190870" sldId="270"/>
+        </pc:sldMkLst>
+        <pc:spChg chg="mod">
+          <ac:chgData name="Sandro Assek" userId="c00f4fa3-2fb0-4ff2-817b-9b12cde38168" providerId="ADAL" clId="{3E78E571-0358-4538-810C-9FCD0236EE78}" dt="2023-05-17T13:15:22.190" v="10" actId="20577"/>
+          <ac:spMkLst>
+            <pc:docMk/>
+            <pc:sldMk cId="963190870" sldId="270"/>
+            <ac:spMk id="3" creationId="{382485F1-5F03-249C-BBE8-A0F172E3574A}"/>
+          </ac:spMkLst>
+        </pc:spChg>
+      </pc:sldChg>
+    </pc:docChg>
+  </pc:docChgLst>
 </pc:chgInfo>
 </file>
 
@@ -516,7 +547,7 @@
           <a:p>
             <a:fld id="{5FE1CFB4-4EC3-4B46-8D35-E8CFDF4A4890}" type="slidenum">
               <a:rPr lang="de-DE" smtClean="0"/>
-              <a:t>‹#›</a:t>
+              <a:t>‹Nr.›</a:t>
             </a:fld>
             <a:endParaRPr lang="de-DE"/>
           </a:p>
@@ -714,7 +745,7 @@
           <a:p>
             <a:fld id="{5FE1CFB4-4EC3-4B46-8D35-E8CFDF4A4890}" type="slidenum">
               <a:rPr lang="de-DE" smtClean="0"/>
-              <a:t>‹#›</a:t>
+              <a:t>‹Nr.›</a:t>
             </a:fld>
             <a:endParaRPr lang="de-DE"/>
           </a:p>
@@ -922,7 +953,7 @@
           <a:p>
             <a:fld id="{5FE1CFB4-4EC3-4B46-8D35-E8CFDF4A4890}" type="slidenum">
               <a:rPr lang="de-DE" smtClean="0"/>
-              <a:t>‹#›</a:t>
+              <a:t>‹Nr.›</a:t>
             </a:fld>
             <a:endParaRPr lang="de-DE"/>
           </a:p>
@@ -1120,7 +1151,7 @@
           <a:p>
             <a:fld id="{5FE1CFB4-4EC3-4B46-8D35-E8CFDF4A4890}" type="slidenum">
               <a:rPr lang="de-DE" smtClean="0"/>
-              <a:t>‹#›</a:t>
+              <a:t>‹Nr.›</a:t>
             </a:fld>
             <a:endParaRPr lang="de-DE"/>
           </a:p>
@@ -1395,7 +1426,7 @@
           <a:p>
             <a:fld id="{5FE1CFB4-4EC3-4B46-8D35-E8CFDF4A4890}" type="slidenum">
               <a:rPr lang="de-DE" smtClean="0"/>
-              <a:t>‹#›</a:t>
+              <a:t>‹Nr.›</a:t>
             </a:fld>
             <a:endParaRPr lang="de-DE"/>
           </a:p>
@@ -1660,7 +1691,7 @@
           <a:p>
             <a:fld id="{5FE1CFB4-4EC3-4B46-8D35-E8CFDF4A4890}" type="slidenum">
               <a:rPr lang="de-DE" smtClean="0"/>
-              <a:t>‹#›</a:t>
+              <a:t>‹Nr.›</a:t>
             </a:fld>
             <a:endParaRPr lang="de-DE"/>
           </a:p>
@@ -2072,7 +2103,7 @@
           <a:p>
             <a:fld id="{5FE1CFB4-4EC3-4B46-8D35-E8CFDF4A4890}" type="slidenum">
               <a:rPr lang="de-DE" smtClean="0"/>
-              <a:t>‹#›</a:t>
+              <a:t>‹Nr.›</a:t>
             </a:fld>
             <a:endParaRPr lang="de-DE"/>
           </a:p>
@@ -2213,7 +2244,7 @@
           <a:p>
             <a:fld id="{5FE1CFB4-4EC3-4B46-8D35-E8CFDF4A4890}" type="slidenum">
               <a:rPr lang="de-DE" smtClean="0"/>
-              <a:t>‹#›</a:t>
+              <a:t>‹Nr.›</a:t>
             </a:fld>
             <a:endParaRPr lang="de-DE"/>
           </a:p>
@@ -2326,7 +2357,7 @@
           <a:p>
             <a:fld id="{5FE1CFB4-4EC3-4B46-8D35-E8CFDF4A4890}" type="slidenum">
               <a:rPr lang="de-DE" smtClean="0"/>
-              <a:t>‹#›</a:t>
+              <a:t>‹Nr.›</a:t>
             </a:fld>
             <a:endParaRPr lang="de-DE"/>
           </a:p>
@@ -2637,7 +2668,7 @@
           <a:p>
             <a:fld id="{5FE1CFB4-4EC3-4B46-8D35-E8CFDF4A4890}" type="slidenum">
               <a:rPr lang="de-DE" smtClean="0"/>
-              <a:t>‹#›</a:t>
+              <a:t>‹Nr.›</a:t>
             </a:fld>
             <a:endParaRPr lang="de-DE"/>
           </a:p>
@@ -2925,7 +2956,7 @@
           <a:p>
             <a:fld id="{5FE1CFB4-4EC3-4B46-8D35-E8CFDF4A4890}" type="slidenum">
               <a:rPr lang="de-DE" smtClean="0"/>
-              <a:t>‹#›</a:t>
+              <a:t>‹Nr.›</a:t>
             </a:fld>
             <a:endParaRPr lang="de-DE"/>
           </a:p>
@@ -3202,7 +3233,7 @@
           <a:p>
             <a:fld id="{5FE1CFB4-4EC3-4B46-8D35-E8CFDF4A4890}" type="slidenum">
               <a:rPr lang="de-DE" smtClean="0"/>
-              <a:t>‹#›</a:t>
+              <a:t>‹Nr.›</a:t>
             </a:fld>
             <a:endParaRPr lang="de-DE"/>
           </a:p>
@@ -5026,25 +5057,66 @@
         </p:spPr>
         <p:txBody>
           <a:bodyPr>
-            <a:normAutofit/>
+            <a:normAutofit lnSpcReduction="10000"/>
           </a:bodyPr>
           <a:lstStyle/>
           <a:p>
             <a:r>
               <a:rPr lang="en-GB" sz="2000" dirty="0"/>
-              <a:t>To exclude some uncertainty of the labelling process we dropped fragments where less than 71% of the annotators agreed with the overall vote </a:t>
+              <a:t>To exclude some uncertainty in the labelling process we dropped fragments where less than a specific distribution of the annotators agreed with the overall vote.</a:t>
             </a:r>
           </a:p>
           <a:p>
             <a:r>
               <a:rPr lang="en-GB" sz="2000" dirty="0"/>
-              <a:t>For training a classifier to actually perform classification on new data it would probably make sense to include also labels where annotators disagreed even more, but as this task was more focused on trying different classifiers and getting a feeling for their different performances we decided to exclude these sample for now</a:t>
+              <a:t>Samples have at least 3 and at most 7 different annotators. Therefore, we accept samples according to the following majority distribution:</a:t>
+            </a:r>
+          </a:p>
+          <a:p>
+            <a:pPr lvl="1"/>
+            <a:r>
+              <a:rPr lang="en-GB" sz="1600" dirty="0"/>
+              <a:t>3 annotations: accept 3/3 equivalent annotations</a:t>
+            </a:r>
+          </a:p>
+          <a:p>
+            <a:pPr lvl="1"/>
+            <a:r>
+              <a:rPr lang="en-GB" sz="1600" dirty="0"/>
+              <a:t>4 annotations: accept majority 3/4 equivalent annotations</a:t>
+            </a:r>
+          </a:p>
+          <a:p>
+            <a:pPr lvl="1"/>
+            <a:r>
+              <a:rPr lang="en-GB" sz="1600" dirty="0"/>
+              <a:t>5 annotations: accept majority 3/5 equivalent annotations</a:t>
+            </a:r>
+          </a:p>
+          <a:p>
+            <a:pPr lvl="1"/>
+            <a:r>
+              <a:rPr lang="en-GB" sz="1600" dirty="0"/>
+              <a:t>6 annotations: accept majority 4/6 equivalent annotations</a:t>
+            </a:r>
+          </a:p>
+          <a:p>
+            <a:pPr lvl="1"/>
+            <a:r>
+              <a:rPr lang="en-GB" sz="1600" dirty="0"/>
+              <a:t>7 annotations: accept majority 5/7 equivalent annotations</a:t>
             </a:r>
           </a:p>
           <a:p>
             <a:r>
               <a:rPr lang="en-GB" sz="2000" dirty="0"/>
-              <a:t>Excluding the described samples from the 120.000 we ended up with 96.656, which is still enough for training and testing</a:t>
+              <a:t>For training a classifier to actually perform classification on new data it would probably make sense to include also labels where annotators disagreed even more, but as this task was more focused on trying different classifiers and getting a feeling for their different performances we decided to stick to the distribution from above for now on.</a:t>
+            </a:r>
+          </a:p>
+          <a:p>
+            <a:r>
+              <a:rPr lang="en-GB" sz="2000" dirty="0"/>
+              <a:t>Excluding the described samples from above we reduced our initial 120.000 samples to 96.748, which is still enough for training and testing on our models.</a:t>
             </a:r>
           </a:p>
         </p:txBody>
@@ -5052,7 +5124,7 @@
     </p:spTree>
     <p:extLst>
       <p:ext uri="{BB962C8B-B14F-4D97-AF65-F5344CB8AC3E}">
-        <p14:creationId xmlns:p14="http://schemas.microsoft.com/office/powerpoint/2010/main" val="3106440683"/>
+        <p14:creationId xmlns:p14="http://schemas.microsoft.com/office/powerpoint/2010/main" val="963190870"/>
       </p:ext>
     </p:extLst>
   </p:cSld>

--- a/Task 3.pptx
+++ b/Task 3.pptx
@@ -9,14 +9,15 @@
     <p:sldId id="260" r:id="rId3"/>
     <p:sldId id="261" r:id="rId4"/>
     <p:sldId id="270" r:id="rId5"/>
-    <p:sldId id="269" r:id="rId6"/>
-    <p:sldId id="259" r:id="rId7"/>
-    <p:sldId id="263" r:id="rId8"/>
-    <p:sldId id="265" r:id="rId9"/>
-    <p:sldId id="264" r:id="rId10"/>
-    <p:sldId id="266" r:id="rId11"/>
-    <p:sldId id="267" r:id="rId12"/>
-    <p:sldId id="268" r:id="rId13"/>
+    <p:sldId id="272" r:id="rId6"/>
+    <p:sldId id="269" r:id="rId7"/>
+    <p:sldId id="259" r:id="rId8"/>
+    <p:sldId id="263" r:id="rId9"/>
+    <p:sldId id="265" r:id="rId10"/>
+    <p:sldId id="264" r:id="rId11"/>
+    <p:sldId id="266" r:id="rId12"/>
+    <p:sldId id="267" r:id="rId13"/>
+    <p:sldId id="268" r:id="rId14"/>
   </p:sldIdLst>
   <p:sldSz cx="12192000" cy="6858000"/>
   <p:notesSz cx="6858000" cy="9144000"/>
@@ -314,8 +315,8 @@
   </pc:docChgLst>
   <pc:docChgLst>
     <pc:chgData name="Sandro Assek" userId="c00f4fa3-2fb0-4ff2-817b-9b12cde38168" providerId="ADAL" clId="{3E78E571-0358-4538-810C-9FCD0236EE78}"/>
-    <pc:docChg chg="addSld delSld modSld">
-      <pc:chgData name="Sandro Assek" userId="c00f4fa3-2fb0-4ff2-817b-9b12cde38168" providerId="ADAL" clId="{3E78E571-0358-4538-810C-9FCD0236EE78}" dt="2023-05-17T13:15:22.190" v="10" actId="20577"/>
+    <pc:docChg chg="undo custSel addSld delSld modSld">
+      <pc:chgData name="Sandro Assek" userId="c00f4fa3-2fb0-4ff2-817b-9b12cde38168" providerId="ADAL" clId="{3E78E571-0358-4538-810C-9FCD0236EE78}" dt="2023-05-17T14:02:05.012" v="936" actId="6549"/>
       <pc:docMkLst>
         <pc:docMk/>
       </pc:docMkLst>
@@ -326,20 +327,170 @@
           <pc:sldMk cId="3106440683" sldId="262"/>
         </pc:sldMkLst>
       </pc:sldChg>
-      <pc:sldChg chg="modSp add">
-        <pc:chgData name="Sandro Assek" userId="c00f4fa3-2fb0-4ff2-817b-9b12cde38168" providerId="ADAL" clId="{3E78E571-0358-4538-810C-9FCD0236EE78}" dt="2023-05-17T13:15:22.190" v="10" actId="20577"/>
+      <pc:sldChg chg="addSp delSp modSp add">
+        <pc:chgData name="Sandro Assek" userId="c00f4fa3-2fb0-4ff2-817b-9b12cde38168" providerId="ADAL" clId="{3E78E571-0358-4538-810C-9FCD0236EE78}" dt="2023-05-17T13:58:39.297" v="851"/>
         <pc:sldMkLst>
           <pc:docMk/>
           <pc:sldMk cId="963190870" sldId="270"/>
         </pc:sldMkLst>
         <pc:spChg chg="mod">
-          <ac:chgData name="Sandro Assek" userId="c00f4fa3-2fb0-4ff2-817b-9b12cde38168" providerId="ADAL" clId="{3E78E571-0358-4538-810C-9FCD0236EE78}" dt="2023-05-17T13:15:22.190" v="10" actId="20577"/>
+          <ac:chgData name="Sandro Assek" userId="c00f4fa3-2fb0-4ff2-817b-9b12cde38168" providerId="ADAL" clId="{3E78E571-0358-4538-810C-9FCD0236EE78}" dt="2023-05-17T13:38:17.308" v="382" actId="20577"/>
+          <ac:spMkLst>
+            <pc:docMk/>
+            <pc:sldMk cId="963190870" sldId="270"/>
+            <ac:spMk id="2" creationId="{7A8CC8F0-25AB-D6E9-EE5D-A619F6B84D5A}"/>
+          </ac:spMkLst>
+        </pc:spChg>
+        <pc:spChg chg="mod">
+          <ac:chgData name="Sandro Assek" userId="c00f4fa3-2fb0-4ff2-817b-9b12cde38168" providerId="ADAL" clId="{3E78E571-0358-4538-810C-9FCD0236EE78}" dt="2023-05-17T13:58:39.297" v="851"/>
           <ac:spMkLst>
             <pc:docMk/>
             <pc:sldMk cId="963190870" sldId="270"/>
             <ac:spMk id="3" creationId="{382485F1-5F03-249C-BBE8-A0F172E3574A}"/>
           </ac:spMkLst>
         </pc:spChg>
+        <pc:graphicFrameChg chg="add del">
+          <ac:chgData name="Sandro Assek" userId="c00f4fa3-2fb0-4ff2-817b-9b12cde38168" providerId="ADAL" clId="{3E78E571-0358-4538-810C-9FCD0236EE78}" dt="2023-05-17T13:54:16.444" v="752"/>
+          <ac:graphicFrameMkLst>
+            <pc:docMk/>
+            <pc:sldMk cId="963190870" sldId="270"/>
+            <ac:graphicFrameMk id="4" creationId="{64A1D402-36BA-4B92-A491-249894B85E8B}"/>
+          </ac:graphicFrameMkLst>
+        </pc:graphicFrameChg>
+        <pc:graphicFrameChg chg="add del mod modGraphic">
+          <ac:chgData name="Sandro Assek" userId="c00f4fa3-2fb0-4ff2-817b-9b12cde38168" providerId="ADAL" clId="{3E78E571-0358-4538-810C-9FCD0236EE78}" dt="2023-05-17T13:57:45.391" v="825"/>
+          <ac:graphicFrameMkLst>
+            <pc:docMk/>
+            <pc:sldMk cId="963190870" sldId="270"/>
+            <ac:graphicFrameMk id="5" creationId="{0E7C0C3D-83A1-4EDB-B515-551A3F0A15A1}"/>
+          </ac:graphicFrameMkLst>
+        </pc:graphicFrameChg>
+      </pc:sldChg>
+      <pc:sldChg chg="addSp delSp modSp add del">
+        <pc:chgData name="Sandro Assek" userId="c00f4fa3-2fb0-4ff2-817b-9b12cde38168" providerId="ADAL" clId="{3E78E571-0358-4538-810C-9FCD0236EE78}" dt="2023-05-17T13:58:19.572" v="843" actId="2696"/>
+        <pc:sldMkLst>
+          <pc:docMk/>
+          <pc:sldMk cId="2271636162" sldId="271"/>
+        </pc:sldMkLst>
+        <pc:spChg chg="mod">
+          <ac:chgData name="Sandro Assek" userId="c00f4fa3-2fb0-4ff2-817b-9b12cde38168" providerId="ADAL" clId="{3E78E571-0358-4538-810C-9FCD0236EE78}" dt="2023-05-17T13:53:23.637" v="737" actId="1076"/>
+          <ac:spMkLst>
+            <pc:docMk/>
+            <pc:sldMk cId="2271636162" sldId="271"/>
+            <ac:spMk id="2" creationId="{3B5DFF0B-D3E3-43FF-BE22-8BBD4611294D}"/>
+          </ac:spMkLst>
+        </pc:spChg>
+        <pc:spChg chg="del">
+          <ac:chgData name="Sandro Assek" userId="c00f4fa3-2fb0-4ff2-817b-9b12cde38168" providerId="ADAL" clId="{3E78E571-0358-4538-810C-9FCD0236EE78}" dt="2023-05-17T13:23:40.083" v="12" actId="3680"/>
+          <ac:spMkLst>
+            <pc:docMk/>
+            <pc:sldMk cId="2271636162" sldId="271"/>
+            <ac:spMk id="3" creationId="{555B1B99-AC3B-42FD-B581-0E06D589B255}"/>
+          </ac:spMkLst>
+        </pc:spChg>
+        <pc:spChg chg="del">
+          <ac:chgData name="Sandro Assek" userId="c00f4fa3-2fb0-4ff2-817b-9b12cde38168" providerId="ADAL" clId="{3E78E571-0358-4538-810C-9FCD0236EE78}" dt="2023-05-17T13:24:20.574" v="61" actId="478"/>
+          <ac:spMkLst>
+            <pc:docMk/>
+            <pc:sldMk cId="2271636162" sldId="271"/>
+            <ac:spMk id="4" creationId="{25A78A35-62C4-4188-A7DD-4B7EF11B56A8}"/>
+          </ac:spMkLst>
+        </pc:spChg>
+        <pc:spChg chg="add del mod">
+          <ac:chgData name="Sandro Assek" userId="c00f4fa3-2fb0-4ff2-817b-9b12cde38168" providerId="ADAL" clId="{3E78E571-0358-4538-810C-9FCD0236EE78}" dt="2023-05-17T13:25:18.200" v="67" actId="3680"/>
+          <ac:spMkLst>
+            <pc:docMk/>
+            <pc:sldMk cId="2271636162" sldId="271"/>
+            <ac:spMk id="7" creationId="{403C8261-EEE3-4896-A80A-435FCE2CDFC1}"/>
+          </ac:spMkLst>
+        </pc:spChg>
+        <pc:spChg chg="add del mod">
+          <ac:chgData name="Sandro Assek" userId="c00f4fa3-2fb0-4ff2-817b-9b12cde38168" providerId="ADAL" clId="{3E78E571-0358-4538-810C-9FCD0236EE78}" dt="2023-05-17T13:54:05.005" v="748" actId="767"/>
+          <ac:spMkLst>
+            <pc:docMk/>
+            <pc:sldMk cId="2271636162" sldId="271"/>
+            <ac:spMk id="11" creationId="{8C3DC035-7577-4F89-911E-59167490D2D2}"/>
+          </ac:spMkLst>
+        </pc:spChg>
+        <pc:graphicFrameChg chg="add del mod modGraphic">
+          <ac:chgData name="Sandro Assek" userId="c00f4fa3-2fb0-4ff2-817b-9b12cde38168" providerId="ADAL" clId="{3E78E571-0358-4538-810C-9FCD0236EE78}" dt="2023-05-17T13:25:02.100" v="66" actId="478"/>
+          <ac:graphicFrameMkLst>
+            <pc:docMk/>
+            <pc:sldMk cId="2271636162" sldId="271"/>
+            <ac:graphicFrameMk id="5" creationId="{109BB86D-E963-4B83-8B26-D15BC75B988D}"/>
+          </ac:graphicFrameMkLst>
+        </pc:graphicFrameChg>
+        <pc:graphicFrameChg chg="add mod modGraphic">
+          <ac:chgData name="Sandro Assek" userId="c00f4fa3-2fb0-4ff2-817b-9b12cde38168" providerId="ADAL" clId="{3E78E571-0358-4538-810C-9FCD0236EE78}" dt="2023-05-17T13:53:29.696" v="738" actId="14734"/>
+          <ac:graphicFrameMkLst>
+            <pc:docMk/>
+            <pc:sldMk cId="2271636162" sldId="271"/>
+            <ac:graphicFrameMk id="8" creationId="{16A39A18-FB3B-4B5C-A6D1-67354A220915}"/>
+          </ac:graphicFrameMkLst>
+        </pc:graphicFrameChg>
+        <pc:graphicFrameChg chg="add del mod modGraphic">
+          <ac:chgData name="Sandro Assek" userId="c00f4fa3-2fb0-4ff2-817b-9b12cde38168" providerId="ADAL" clId="{3E78E571-0358-4538-810C-9FCD0236EE78}" dt="2023-05-17T13:49:18.797" v="631" actId="478"/>
+          <ac:graphicFrameMkLst>
+            <pc:docMk/>
+            <pc:sldMk cId="2271636162" sldId="271"/>
+            <ac:graphicFrameMk id="9" creationId="{039116E2-BBDE-4208-87E9-2B3931EFA3A7}"/>
+          </ac:graphicFrameMkLst>
+        </pc:graphicFrameChg>
+        <pc:graphicFrameChg chg="add del mod">
+          <ac:chgData name="Sandro Assek" userId="c00f4fa3-2fb0-4ff2-817b-9b12cde38168" providerId="ADAL" clId="{3E78E571-0358-4538-810C-9FCD0236EE78}" dt="2023-05-17T13:53:13.852" v="736" actId="478"/>
+          <ac:graphicFrameMkLst>
+            <pc:docMk/>
+            <pc:sldMk cId="2271636162" sldId="271"/>
+            <ac:graphicFrameMk id="10" creationId="{C67E83BF-FA03-43FB-BF1C-026B3B488C30}"/>
+          </ac:graphicFrameMkLst>
+        </pc:graphicFrameChg>
+      </pc:sldChg>
+      <pc:sldChg chg="addSp delSp modSp add">
+        <pc:chgData name="Sandro Assek" userId="c00f4fa3-2fb0-4ff2-817b-9b12cde38168" providerId="ADAL" clId="{3E78E571-0358-4538-810C-9FCD0236EE78}" dt="2023-05-17T14:02:05.012" v="936" actId="6549"/>
+        <pc:sldMkLst>
+          <pc:docMk/>
+          <pc:sldMk cId="981419773" sldId="272"/>
+        </pc:sldMkLst>
+        <pc:spChg chg="mod">
+          <ac:chgData name="Sandro Assek" userId="c00f4fa3-2fb0-4ff2-817b-9b12cde38168" providerId="ADAL" clId="{3E78E571-0358-4538-810C-9FCD0236EE78}" dt="2023-05-17T13:54:53.327" v="770"/>
+          <ac:spMkLst>
+            <pc:docMk/>
+            <pc:sldMk cId="981419773" sldId="272"/>
+            <ac:spMk id="2" creationId="{3B5E818D-02A4-43DA-915A-28AEAFC21736}"/>
+          </ac:spMkLst>
+        </pc:spChg>
+        <pc:spChg chg="mod">
+          <ac:chgData name="Sandro Assek" userId="c00f4fa3-2fb0-4ff2-817b-9b12cde38168" providerId="ADAL" clId="{3E78E571-0358-4538-810C-9FCD0236EE78}" dt="2023-05-17T14:02:05.012" v="936" actId="6549"/>
+          <ac:spMkLst>
+            <pc:docMk/>
+            <pc:sldMk cId="981419773" sldId="272"/>
+            <ac:spMk id="3" creationId="{6B62C5D4-BFD6-47A9-83DF-DF9A71738232}"/>
+          </ac:spMkLst>
+        </pc:spChg>
+        <pc:spChg chg="del mod">
+          <ac:chgData name="Sandro Assek" userId="c00f4fa3-2fb0-4ff2-817b-9b12cde38168" providerId="ADAL" clId="{3E78E571-0358-4538-810C-9FCD0236EE78}" dt="2023-05-17T13:54:47.700" v="769" actId="478"/>
+          <ac:spMkLst>
+            <pc:docMk/>
+            <pc:sldMk cId="981419773" sldId="272"/>
+            <ac:spMk id="4" creationId="{24428F96-F06C-44F6-9B47-AB2D8C48AE44}"/>
+          </ac:spMkLst>
+        </pc:spChg>
+        <pc:graphicFrameChg chg="add del mod">
+          <ac:chgData name="Sandro Assek" userId="c00f4fa3-2fb0-4ff2-817b-9b12cde38168" providerId="ADAL" clId="{3E78E571-0358-4538-810C-9FCD0236EE78}" dt="2023-05-17T13:57:53.432" v="828"/>
+          <ac:graphicFrameMkLst>
+            <pc:docMk/>
+            <pc:sldMk cId="981419773" sldId="272"/>
+            <ac:graphicFrameMk id="5" creationId="{9D563060-49BC-4D2D-AF23-AC828E109C86}"/>
+          </ac:graphicFrameMkLst>
+        </pc:graphicFrameChg>
+        <pc:graphicFrameChg chg="add mod modGraphic">
+          <ac:chgData name="Sandro Assek" userId="c00f4fa3-2fb0-4ff2-817b-9b12cde38168" providerId="ADAL" clId="{3E78E571-0358-4538-810C-9FCD0236EE78}" dt="2023-05-17T14:01:55.941" v="931" actId="20577"/>
+          <ac:graphicFrameMkLst>
+            <pc:docMk/>
+            <pc:sldMk cId="981419773" sldId="272"/>
+            <ac:graphicFrameMk id="6" creationId="{C02F67C5-7F67-4C22-BEF4-3314403CC47E}"/>
+          </ac:graphicFrameMkLst>
+        </pc:graphicFrameChg>
       </pc:sldChg>
     </pc:docChg>
   </pc:docChgLst>
@@ -3699,6 +3850,118 @@
       </p:grpSpPr>
       <p:sp>
         <p:nvSpPr>
+          <p:cNvPr id="2" name="Titel 1">
+            <a:extLst>
+              <a:ext uri="{FF2B5EF4-FFF2-40B4-BE49-F238E27FC236}">
+                <a16:creationId xmlns:a16="http://schemas.microsoft.com/office/drawing/2014/main" id="{D0E05852-19AE-038D-0D95-68153D3D5FDF}"/>
+              </a:ext>
+            </a:extLst>
+          </p:cNvPr>
+          <p:cNvSpPr>
+            <a:spLocks noGrp="1"/>
+          </p:cNvSpPr>
+          <p:nvPr>
+            <p:ph type="title"/>
+          </p:nvPr>
+        </p:nvSpPr>
+        <p:spPr/>
+        <p:txBody>
+          <a:bodyPr/>
+          <a:lstStyle/>
+          <a:p>
+            <a:r>
+              <a:rPr lang="en-GB" dirty="0"/>
+              <a:t>KNN: Results </a:t>
+            </a:r>
+          </a:p>
+        </p:txBody>
+      </p:sp>
+      <p:sp>
+        <p:nvSpPr>
+          <p:cNvPr id="4" name="Inhaltsplatzhalter 3">
+            <a:extLst>
+              <a:ext uri="{FF2B5EF4-FFF2-40B4-BE49-F238E27FC236}">
+                <a16:creationId xmlns:a16="http://schemas.microsoft.com/office/drawing/2014/main" id="{9C19452B-4E59-C18A-650B-6DA66E982236}"/>
+              </a:ext>
+            </a:extLst>
+          </p:cNvPr>
+          <p:cNvSpPr>
+            <a:spLocks noGrp="1"/>
+          </p:cNvSpPr>
+          <p:nvPr>
+            <p:ph sz="half" idx="2"/>
+          </p:nvPr>
+        </p:nvSpPr>
+        <p:spPr/>
+        <p:txBody>
+          <a:bodyPr/>
+          <a:lstStyle/>
+          <a:p>
+            <a:endParaRPr lang="en-GB" dirty="0"/>
+          </a:p>
+        </p:txBody>
+      </p:sp>
+      <p:pic>
+        <p:nvPicPr>
+          <p:cNvPr id="7" name="Inhaltsplatzhalter 6">
+            <a:extLst>
+              <a:ext uri="{FF2B5EF4-FFF2-40B4-BE49-F238E27FC236}">
+                <a16:creationId xmlns:a16="http://schemas.microsoft.com/office/drawing/2014/main" id="{628C84FC-FA60-9207-0A8E-7EFC4A07400E}"/>
+              </a:ext>
+            </a:extLst>
+          </p:cNvPr>
+          <p:cNvPicPr>
+            <a:picLocks noGrp="1" noChangeAspect="1"/>
+          </p:cNvPicPr>
+          <p:nvPr>
+            <p:ph sz="half" idx="1"/>
+          </p:nvPr>
+        </p:nvPicPr>
+        <p:blipFill>
+          <a:blip r:embed="rId2"/>
+          <a:stretch>
+            <a:fillRect/>
+          </a:stretch>
+        </p:blipFill>
+        <p:spPr>
+          <a:xfrm>
+            <a:off x="1194980" y="1825625"/>
+            <a:ext cx="4040527" cy="4351338"/>
+          </a:xfrm>
+        </p:spPr>
+      </p:pic>
+    </p:spTree>
+    <p:extLst>
+      <p:ext uri="{BB962C8B-B14F-4D97-AF65-F5344CB8AC3E}">
+        <p14:creationId xmlns:p14="http://schemas.microsoft.com/office/powerpoint/2010/main" val="4100155615"/>
+      </p:ext>
+    </p:extLst>
+  </p:cSld>
+  <p:clrMapOvr>
+    <a:masterClrMapping/>
+  </p:clrMapOvr>
+</p:sld>
+</file>
+
+<file path=ppt/slides/slide11.xml><?xml version="1.0" encoding="utf-8"?>
+<p:sld xmlns:a="http://schemas.openxmlformats.org/drawingml/2006/main" xmlns:r="http://schemas.openxmlformats.org/officeDocument/2006/relationships" xmlns:p="http://schemas.openxmlformats.org/presentationml/2006/main">
+  <p:cSld>
+    <p:spTree>
+      <p:nvGrpSpPr>
+        <p:cNvPr id="1" name=""/>
+        <p:cNvGrpSpPr/>
+        <p:nvPr/>
+      </p:nvGrpSpPr>
+      <p:grpSpPr>
+        <a:xfrm>
+          <a:off x="0" y="0"/>
+          <a:ext cx="0" cy="0"/>
+          <a:chOff x="0" y="0"/>
+          <a:chExt cx="0" cy="0"/>
+        </a:xfrm>
+      </p:grpSpPr>
+      <p:sp>
+        <p:nvSpPr>
           <p:cNvPr id="2" name="Title 1">
             <a:extLst>
               <a:ext uri="{FF2B5EF4-FFF2-40B4-BE49-F238E27FC236}">
@@ -3838,7 +4101,7 @@
 </p:sld>
 </file>
 
-<file path=ppt/slides/slide11.xml><?xml version="1.0" encoding="utf-8"?>
+<file path=ppt/slides/slide12.xml><?xml version="1.0" encoding="utf-8"?>
 <p:sld xmlns:a="http://schemas.openxmlformats.org/drawingml/2006/main" xmlns:r="http://schemas.openxmlformats.org/officeDocument/2006/relationships" xmlns:p="http://schemas.openxmlformats.org/presentationml/2006/main">
   <p:cSld>
     <p:spTree>
@@ -4540,7 +4803,7 @@
 </p:sld>
 </file>
 
-<file path=ppt/slides/slide12.xml><?xml version="1.0" encoding="utf-8"?>
+<file path=ppt/slides/slide13.xml><?xml version="1.0" encoding="utf-8"?>
 <p:sld xmlns:a="http://schemas.openxmlformats.org/drawingml/2006/main" xmlns:r="http://schemas.openxmlformats.org/officeDocument/2006/relationships" xmlns:p="http://schemas.openxmlformats.org/presentationml/2006/main">
   <p:cSld>
     <p:spTree>
@@ -5028,7 +5291,7 @@
           <a:p>
             <a:r>
               <a:rPr lang="en-GB" dirty="0"/>
-              <a:t>Data-Sample processing</a:t>
+              <a:t>Data-Sample processing (1)</a:t>
             </a:r>
           </a:p>
         </p:txBody>
@@ -5057,7 +5320,7 @@
         </p:spPr>
         <p:txBody>
           <a:bodyPr>
-            <a:normAutofit lnSpcReduction="10000"/>
+            <a:normAutofit/>
           </a:bodyPr>
           <a:lstStyle/>
           <a:p>
@@ -5076,35 +5339,35 @@
             <a:pPr lvl="1"/>
             <a:r>
               <a:rPr lang="en-GB" sz="1600" dirty="0"/>
-              <a:t>3 annotations: accept 3/3 equivalent annotations</a:t>
+              <a:t>3 annotations: accept all samples</a:t>
             </a:r>
           </a:p>
           <a:p>
             <a:pPr lvl="1"/>
             <a:r>
               <a:rPr lang="en-GB" sz="1600" dirty="0"/>
-              <a:t>4 annotations: accept majority 3/4 equivalent annotations</a:t>
+              <a:t>4 annotations: accept majority 3/4 eq. annotations</a:t>
             </a:r>
           </a:p>
           <a:p>
             <a:pPr lvl="1"/>
             <a:r>
               <a:rPr lang="en-GB" sz="1600" dirty="0"/>
-              <a:t>5 annotations: accept majority 3/5 equivalent annotations</a:t>
+              <a:t>5 annotations: accept majority 3/5 eq. annotations</a:t>
             </a:r>
           </a:p>
           <a:p>
             <a:pPr lvl="1"/>
             <a:r>
               <a:rPr lang="en-GB" sz="1600" dirty="0"/>
-              <a:t>6 annotations: accept majority 4/6 equivalent annotations</a:t>
+              <a:t>6 annotations: accept majority 4/6 eq. annotations</a:t>
             </a:r>
           </a:p>
           <a:p>
             <a:pPr lvl="1"/>
             <a:r>
               <a:rPr lang="en-GB" sz="1600" dirty="0"/>
-              <a:t>7 annotations: accept majority 5/7 equivalent annotations</a:t>
+              <a:t>7 annotations: accept majority 5/7 eq. annotations</a:t>
             </a:r>
           </a:p>
           <a:p>
@@ -5114,10 +5377,13 @@
             </a:r>
           </a:p>
           <a:p>
-            <a:r>
-              <a:rPr lang="en-GB" sz="2000" dirty="0"/>
-              <a:t>Excluding the described samples from above we reduced our initial 120.000 samples to 96.748, which is still enough for training and testing on our models.</a:t>
-            </a:r>
+            <a:endParaRPr lang="en-GB" sz="2000" dirty="0"/>
+          </a:p>
+          <a:p>
+            <a:pPr marL="457200" lvl="1" indent="0">
+              <a:buNone/>
+            </a:pPr>
+            <a:endParaRPr lang="en-GB" sz="1600" dirty="0"/>
           </a:p>
         </p:txBody>
       </p:sp>
@@ -5153,6 +5419,840 @@
       </p:grpSpPr>
       <p:sp>
         <p:nvSpPr>
+          <p:cNvPr id="2" name="Titel 1">
+            <a:extLst>
+              <a:ext uri="{FF2B5EF4-FFF2-40B4-BE49-F238E27FC236}">
+                <a16:creationId xmlns:a16="http://schemas.microsoft.com/office/drawing/2014/main" id="{3B5E818D-02A4-43DA-915A-28AEAFC21736}"/>
+              </a:ext>
+            </a:extLst>
+          </p:cNvPr>
+          <p:cNvSpPr>
+            <a:spLocks noGrp="1"/>
+          </p:cNvSpPr>
+          <p:nvPr>
+            <p:ph type="title"/>
+          </p:nvPr>
+        </p:nvSpPr>
+        <p:spPr/>
+        <p:txBody>
+          <a:bodyPr/>
+          <a:lstStyle/>
+          <a:p>
+            <a:r>
+              <a:rPr lang="en-GB" dirty="0"/>
+              <a:t>Data-Sample processing (2)</a:t>
+            </a:r>
+            <a:endParaRPr lang="de-AT" dirty="0"/>
+          </a:p>
+        </p:txBody>
+      </p:sp>
+      <p:sp>
+        <p:nvSpPr>
+          <p:cNvPr id="3" name="Inhaltsplatzhalter 2">
+            <a:extLst>
+              <a:ext uri="{FF2B5EF4-FFF2-40B4-BE49-F238E27FC236}">
+                <a16:creationId xmlns:a16="http://schemas.microsoft.com/office/drawing/2014/main" id="{6B62C5D4-BFD6-47A9-83DF-DF9A71738232}"/>
+              </a:ext>
+            </a:extLst>
+          </p:cNvPr>
+          <p:cNvSpPr>
+            <a:spLocks noGrp="1"/>
+          </p:cNvSpPr>
+          <p:nvPr>
+            <p:ph sz="half" idx="1"/>
+          </p:nvPr>
+        </p:nvSpPr>
+        <p:spPr>
+          <a:xfrm>
+            <a:off x="838199" y="1825625"/>
+            <a:ext cx="10515599" cy="4351338"/>
+          </a:xfrm>
+        </p:spPr>
+        <p:txBody>
+          <a:bodyPr>
+            <a:normAutofit/>
+          </a:bodyPr>
+          <a:lstStyle/>
+          <a:p>
+            <a:endParaRPr lang="en-GB" sz="2000" dirty="0"/>
+          </a:p>
+          <a:p>
+            <a:endParaRPr lang="en-GB" sz="2000" dirty="0"/>
+          </a:p>
+          <a:p>
+            <a:endParaRPr lang="en-GB" sz="2000" dirty="0"/>
+          </a:p>
+          <a:p>
+            <a:endParaRPr lang="en-GB" sz="2000" dirty="0"/>
+          </a:p>
+          <a:p>
+            <a:endParaRPr lang="en-GB" sz="2000" dirty="0"/>
+          </a:p>
+          <a:p>
+            <a:endParaRPr lang="en-GB" sz="2000" dirty="0"/>
+          </a:p>
+          <a:p>
+            <a:endParaRPr lang="en-GB" sz="2000" dirty="0"/>
+          </a:p>
+          <a:p>
+            <a:endParaRPr lang="en-GB" sz="2000" dirty="0"/>
+          </a:p>
+          <a:p>
+            <a:r>
+              <a:rPr lang="en-GB" sz="2000" dirty="0"/>
+              <a:t>Excluding the described samples from above we reduced our initial 120.000 samples to 96.748, which is still enough for training and testing on our models</a:t>
+            </a:r>
+          </a:p>
+        </p:txBody>
+      </p:sp>
+      <p:graphicFrame>
+        <p:nvGraphicFramePr>
+          <p:cNvPr id="6" name="Inhaltsplatzhalter 7">
+            <a:extLst>
+              <a:ext uri="{FF2B5EF4-FFF2-40B4-BE49-F238E27FC236}">
+                <a16:creationId xmlns:a16="http://schemas.microsoft.com/office/drawing/2014/main" id="{C02F67C5-7F67-4C22-BEF4-3314403CC47E}"/>
+              </a:ext>
+            </a:extLst>
+          </p:cNvPr>
+          <p:cNvGraphicFramePr>
+            <a:graphicFrameLocks/>
+          </p:cNvGraphicFramePr>
+          <p:nvPr>
+            <p:extLst>
+              <p:ext uri="{D42A27DB-BD31-4B8C-83A1-F6EECF244321}">
+                <p14:modId xmlns:p14="http://schemas.microsoft.com/office/powerpoint/2010/main" val="2181991160"/>
+              </p:ext>
+            </p:extLst>
+          </p:nvPr>
+        </p:nvGraphicFramePr>
+        <p:xfrm>
+          <a:off x="3088887" y="1690688"/>
+          <a:ext cx="6014221" cy="2740416"/>
+        </p:xfrm>
+        <a:graphic>
+          <a:graphicData uri="http://schemas.openxmlformats.org/drawingml/2006/table">
+            <a:tbl>
+              <a:tblPr firstRow="1" firstCol="1" bandRow="1">
+                <a:tableStyleId>{5C22544A-7EE6-4342-B048-85BDC9FD1C3A}</a:tableStyleId>
+              </a:tblPr>
+              <a:tblGrid>
+                <a:gridCol w="1221275">
+                  <a:extLst>
+                    <a:ext uri="{9D8B030D-6E8A-4147-A177-3AD203B41FA5}">
+                      <a16:colId xmlns:a16="http://schemas.microsoft.com/office/drawing/2014/main" val="448889347"/>
+                    </a:ext>
+                  </a:extLst>
+                </a:gridCol>
+                <a:gridCol w="1083907">
+                  <a:extLst>
+                    <a:ext uri="{9D8B030D-6E8A-4147-A177-3AD203B41FA5}">
+                      <a16:colId xmlns:a16="http://schemas.microsoft.com/office/drawing/2014/main" val="3578207517"/>
+                    </a:ext>
+                  </a:extLst>
+                </a:gridCol>
+                <a:gridCol w="1106424">
+                  <a:extLst>
+                    <a:ext uri="{9D8B030D-6E8A-4147-A177-3AD203B41FA5}">
+                      <a16:colId xmlns:a16="http://schemas.microsoft.com/office/drawing/2014/main" val="1715859423"/>
+                    </a:ext>
+                  </a:extLst>
+                </a:gridCol>
+                <a:gridCol w="1108202">
+                  <a:extLst>
+                    <a:ext uri="{9D8B030D-6E8A-4147-A177-3AD203B41FA5}">
+                      <a16:colId xmlns:a16="http://schemas.microsoft.com/office/drawing/2014/main" val="365790186"/>
+                    </a:ext>
+                  </a:extLst>
+                </a:gridCol>
+                <a:gridCol w="1494413">
+                  <a:extLst>
+                    <a:ext uri="{9D8B030D-6E8A-4147-A177-3AD203B41FA5}">
+                      <a16:colId xmlns:a16="http://schemas.microsoft.com/office/drawing/2014/main" val="19404828"/>
+                    </a:ext>
+                  </a:extLst>
+                </a:gridCol>
+              </a:tblGrid>
+              <a:tr h="517512">
+                <a:tc>
+                  <a:txBody>
+                    <a:bodyPr/>
+                    <a:lstStyle/>
+                    <a:p>
+                      <a:endParaRPr lang="de-AT" sz="1400" dirty="0"/>
+                    </a:p>
+                  </a:txBody>
+                  <a:tcPr/>
+                </a:tc>
+                <a:tc>
+                  <a:txBody>
+                    <a:bodyPr/>
+                    <a:lstStyle/>
+                    <a:p>
+                      <a:r>
+                        <a:rPr lang="de-DE" sz="1400" dirty="0"/>
+                        <a:t>Original # </a:t>
+                      </a:r>
+                      <a:r>
+                        <a:rPr lang="de-DE" sz="1400" dirty="0" err="1"/>
+                        <a:t>of</a:t>
+                      </a:r>
+                      <a:r>
+                        <a:rPr lang="de-DE" sz="1400" dirty="0"/>
+                        <a:t> </a:t>
+                      </a:r>
+                      <a:r>
+                        <a:rPr lang="de-DE" sz="1400" dirty="0" err="1"/>
+                        <a:t>samples</a:t>
+                      </a:r>
+                      <a:endParaRPr lang="de-AT" sz="1400" dirty="0"/>
+                    </a:p>
+                  </a:txBody>
+                  <a:tcPr/>
+                </a:tc>
+                <a:tc>
+                  <a:txBody>
+                    <a:bodyPr/>
+                    <a:lstStyle/>
+                    <a:p>
+                      <a:r>
+                        <a:rPr lang="de-DE" sz="1400" dirty="0"/>
+                        <a:t>Distribution</a:t>
+                      </a:r>
+                    </a:p>
+                    <a:p>
+                      <a:r>
+                        <a:rPr lang="de-DE" sz="1400" dirty="0"/>
+                        <a:t>to </a:t>
+                      </a:r>
+                      <a:r>
+                        <a:rPr lang="de-DE" sz="1400" dirty="0" err="1"/>
+                        <a:t>keep</a:t>
+                      </a:r>
+                      <a:endParaRPr lang="de-AT" sz="1400" dirty="0"/>
+                    </a:p>
+                  </a:txBody>
+                  <a:tcPr/>
+                </a:tc>
+                <a:tc>
+                  <a:txBody>
+                    <a:bodyPr/>
+                    <a:lstStyle/>
+                    <a:p>
+                      <a:r>
+                        <a:rPr lang="de-DE" sz="1400" dirty="0"/>
+                        <a:t>Keep acc. to</a:t>
+                      </a:r>
+                    </a:p>
+                    <a:p>
+                      <a:r>
+                        <a:rPr lang="de-DE" sz="1400" dirty="0" err="1"/>
+                        <a:t>distribution</a:t>
+                      </a:r>
+                      <a:endParaRPr lang="de-AT" sz="1400" dirty="0"/>
+                    </a:p>
+                  </a:txBody>
+                  <a:tcPr/>
+                </a:tc>
+                <a:tc>
+                  <a:txBody>
+                    <a:bodyPr/>
+                    <a:lstStyle/>
+                    <a:p>
+                      <a:r>
+                        <a:rPr lang="de-DE" sz="1400" dirty="0" err="1"/>
+                        <a:t>Dropped</a:t>
+                      </a:r>
+                      <a:r>
+                        <a:rPr lang="de-DE" sz="1400" dirty="0"/>
+                        <a:t> # </a:t>
+                      </a:r>
+                      <a:r>
+                        <a:rPr lang="de-DE" sz="1400" dirty="0" err="1"/>
+                        <a:t>of</a:t>
+                      </a:r>
+                      <a:endParaRPr lang="de-DE" sz="1400" dirty="0"/>
+                    </a:p>
+                    <a:p>
+                      <a:r>
+                        <a:rPr lang="de-DE" sz="1400" dirty="0" err="1"/>
+                        <a:t>sampels</a:t>
+                      </a:r>
+                      <a:endParaRPr lang="de-AT" sz="1400" dirty="0"/>
+                    </a:p>
+                  </a:txBody>
+                  <a:tcPr/>
+                </a:tc>
+                <a:extLst>
+                  <a:ext uri="{0D108BD9-81ED-4DB2-BD59-A6C34878D82A}">
+                    <a16:rowId xmlns:a16="http://schemas.microsoft.com/office/drawing/2014/main" val="1636615871"/>
+                  </a:ext>
+                </a:extLst>
+              </a:tr>
+              <a:tr h="370376">
+                <a:tc>
+                  <a:txBody>
+                    <a:bodyPr/>
+                    <a:lstStyle/>
+                    <a:p>
+                      <a:r>
+                        <a:rPr lang="de-DE" sz="1400" dirty="0"/>
+                        <a:t>3 </a:t>
+                      </a:r>
+                      <a:r>
+                        <a:rPr lang="de-DE" sz="1400" dirty="0" err="1"/>
+                        <a:t>Annotations</a:t>
+                      </a:r>
+                      <a:endParaRPr lang="de-AT" sz="1400" dirty="0"/>
+                    </a:p>
+                  </a:txBody>
+                  <a:tcPr/>
+                </a:tc>
+                <a:tc>
+                  <a:txBody>
+                    <a:bodyPr/>
+                    <a:lstStyle/>
+                    <a:p>
+                      <a:pPr algn="r"/>
+                      <a:r>
+                        <a:rPr lang="de-DE" sz="1400" dirty="0"/>
+                        <a:t>2,000</a:t>
+                      </a:r>
+                      <a:endParaRPr lang="de-AT" sz="1400" dirty="0"/>
+                    </a:p>
+                  </a:txBody>
+                  <a:tcPr/>
+                </a:tc>
+                <a:tc>
+                  <a:txBody>
+                    <a:bodyPr/>
+                    <a:lstStyle/>
+                    <a:p>
+                      <a:r>
+                        <a:rPr lang="de-DE" sz="1400" dirty="0"/>
+                        <a:t>3/3</a:t>
+                      </a:r>
+                      <a:endParaRPr lang="de-AT" sz="1400" dirty="0"/>
+                    </a:p>
+                  </a:txBody>
+                  <a:tcPr/>
+                </a:tc>
+                <a:tc>
+                  <a:txBody>
+                    <a:bodyPr/>
+                    <a:lstStyle/>
+                    <a:p>
+                      <a:pPr algn="r"/>
+                      <a:r>
+                        <a:rPr lang="de-DE" sz="1400" dirty="0"/>
+                        <a:t>2.000</a:t>
+                      </a:r>
+                      <a:endParaRPr lang="de-AT" sz="1400" dirty="0"/>
+                    </a:p>
+                  </a:txBody>
+                  <a:tcPr/>
+                </a:tc>
+                <a:tc>
+                  <a:txBody>
+                    <a:bodyPr/>
+                    <a:lstStyle/>
+                    <a:p>
+                      <a:pPr algn="r"/>
+                      <a:r>
+                        <a:rPr lang="de-DE" sz="1400" dirty="0"/>
+                        <a:t>0</a:t>
+                      </a:r>
+                      <a:endParaRPr lang="de-AT" sz="1400" dirty="0"/>
+                    </a:p>
+                  </a:txBody>
+                  <a:tcPr/>
+                </a:tc>
+                <a:extLst>
+                  <a:ext uri="{0D108BD9-81ED-4DB2-BD59-A6C34878D82A}">
+                    <a16:rowId xmlns:a16="http://schemas.microsoft.com/office/drawing/2014/main" val="1689619492"/>
+                  </a:ext>
+                </a:extLst>
+              </a:tr>
+              <a:tr h="370376">
+                <a:tc>
+                  <a:txBody>
+                    <a:bodyPr/>
+                    <a:lstStyle/>
+                    <a:p>
+                      <a:pPr marL="0" marR="0" lvl="0" indent="0" algn="l" defTabSz="914400" rtl="0" eaLnBrk="1" fontAlgn="auto" latinLnBrk="0" hangingPunct="1">
+                        <a:lnSpc>
+                          <a:spcPct val="100000"/>
+                        </a:lnSpc>
+                        <a:spcBef>
+                          <a:spcPts val="0"/>
+                        </a:spcBef>
+                        <a:spcAft>
+                          <a:spcPts val="0"/>
+                        </a:spcAft>
+                        <a:buClrTx/>
+                        <a:buSzTx/>
+                        <a:buFontTx/>
+                        <a:buNone/>
+                        <a:tabLst/>
+                        <a:defRPr/>
+                      </a:pPr>
+                      <a:r>
+                        <a:rPr lang="de-DE" sz="1400" dirty="0"/>
+                        <a:t>4 </a:t>
+                      </a:r>
+                      <a:r>
+                        <a:rPr lang="de-DE" sz="1400" dirty="0" err="1"/>
+                        <a:t>Annotations</a:t>
+                      </a:r>
+                      <a:endParaRPr lang="de-AT" sz="1400" dirty="0"/>
+                    </a:p>
+                  </a:txBody>
+                  <a:tcPr/>
+                </a:tc>
+                <a:tc>
+                  <a:txBody>
+                    <a:bodyPr/>
+                    <a:lstStyle/>
+                    <a:p>
+                      <a:pPr algn="r"/>
+                      <a:r>
+                        <a:rPr lang="de-DE" sz="1400" dirty="0"/>
+                        <a:t>0</a:t>
+                      </a:r>
+                      <a:endParaRPr lang="de-AT" sz="1400" dirty="0"/>
+                    </a:p>
+                  </a:txBody>
+                  <a:tcPr/>
+                </a:tc>
+                <a:tc>
+                  <a:txBody>
+                    <a:bodyPr/>
+                    <a:lstStyle/>
+                    <a:p>
+                      <a:pPr marL="0" marR="0" lvl="0" indent="0" algn="l" defTabSz="914400" rtl="0" eaLnBrk="1" fontAlgn="auto" latinLnBrk="0" hangingPunct="1">
+                        <a:lnSpc>
+                          <a:spcPct val="100000"/>
+                        </a:lnSpc>
+                        <a:spcBef>
+                          <a:spcPts val="0"/>
+                        </a:spcBef>
+                        <a:spcAft>
+                          <a:spcPts val="0"/>
+                        </a:spcAft>
+                        <a:buClrTx/>
+                        <a:buSzTx/>
+                        <a:buFontTx/>
+                        <a:buNone/>
+                        <a:tabLst/>
+                        <a:defRPr/>
+                      </a:pPr>
+                      <a:r>
+                        <a:rPr lang="de-DE" sz="1400" dirty="0"/>
+                        <a:t>3/4</a:t>
+                      </a:r>
+                      <a:endParaRPr lang="de-AT" sz="1400" dirty="0"/>
+                    </a:p>
+                  </a:txBody>
+                  <a:tcPr/>
+                </a:tc>
+                <a:tc>
+                  <a:txBody>
+                    <a:bodyPr/>
+                    <a:lstStyle/>
+                    <a:p>
+                      <a:pPr algn="r"/>
+                      <a:r>
+                        <a:rPr lang="de-DE" sz="1400" dirty="0"/>
+                        <a:t>0</a:t>
+                      </a:r>
+                      <a:endParaRPr lang="de-AT" sz="1400" dirty="0"/>
+                    </a:p>
+                  </a:txBody>
+                  <a:tcPr/>
+                </a:tc>
+                <a:tc>
+                  <a:txBody>
+                    <a:bodyPr/>
+                    <a:lstStyle/>
+                    <a:p>
+                      <a:pPr algn="r"/>
+                      <a:r>
+                        <a:rPr lang="de-DE" sz="1400" dirty="0"/>
+                        <a:t>0</a:t>
+                      </a:r>
+                      <a:endParaRPr lang="de-AT" sz="1400" dirty="0"/>
+                    </a:p>
+                  </a:txBody>
+                  <a:tcPr/>
+                </a:tc>
+                <a:extLst>
+                  <a:ext uri="{0D108BD9-81ED-4DB2-BD59-A6C34878D82A}">
+                    <a16:rowId xmlns:a16="http://schemas.microsoft.com/office/drawing/2014/main" val="3566446323"/>
+                  </a:ext>
+                </a:extLst>
+              </a:tr>
+              <a:tr h="370376">
+                <a:tc>
+                  <a:txBody>
+                    <a:bodyPr/>
+                    <a:lstStyle/>
+                    <a:p>
+                      <a:r>
+                        <a:rPr lang="de-DE" sz="1400" dirty="0"/>
+                        <a:t>5 </a:t>
+                      </a:r>
+                      <a:r>
+                        <a:rPr lang="de-DE" sz="1400" dirty="0" err="1"/>
+                        <a:t>Annotations</a:t>
+                      </a:r>
+                      <a:endParaRPr lang="de-AT" sz="1400" dirty="0"/>
+                    </a:p>
+                  </a:txBody>
+                  <a:tcPr/>
+                </a:tc>
+                <a:tc>
+                  <a:txBody>
+                    <a:bodyPr/>
+                    <a:lstStyle/>
+                    <a:p>
+                      <a:pPr algn="r"/>
+                      <a:r>
+                        <a:rPr lang="de-DE" sz="1400" dirty="0"/>
+                        <a:t>11,800</a:t>
+                      </a:r>
+                      <a:endParaRPr lang="de-AT" sz="1400" dirty="0"/>
+                    </a:p>
+                  </a:txBody>
+                  <a:tcPr/>
+                </a:tc>
+                <a:tc>
+                  <a:txBody>
+                    <a:bodyPr/>
+                    <a:lstStyle/>
+                    <a:p>
+                      <a:r>
+                        <a:rPr lang="de-DE" sz="1400" dirty="0"/>
+                        <a:t>3/5</a:t>
+                      </a:r>
+                      <a:endParaRPr lang="de-AT" sz="1400" dirty="0"/>
+                    </a:p>
+                  </a:txBody>
+                  <a:tcPr/>
+                </a:tc>
+                <a:tc>
+                  <a:txBody>
+                    <a:bodyPr/>
+                    <a:lstStyle/>
+                    <a:p>
+                      <a:pPr algn="r"/>
+                      <a:r>
+                        <a:rPr lang="de-DE" sz="1400" dirty="0"/>
+                        <a:t>10,243</a:t>
+                      </a:r>
+                      <a:endParaRPr lang="de-AT" sz="1400" dirty="0"/>
+                    </a:p>
+                  </a:txBody>
+                  <a:tcPr/>
+                </a:tc>
+                <a:tc>
+                  <a:txBody>
+                    <a:bodyPr/>
+                    <a:lstStyle/>
+                    <a:p>
+                      <a:pPr algn="r"/>
+                      <a:r>
+                        <a:rPr lang="de-DE" sz="1400" dirty="0"/>
+                        <a:t>1,557</a:t>
+                      </a:r>
+                      <a:endParaRPr lang="de-AT" sz="1400" dirty="0"/>
+                    </a:p>
+                  </a:txBody>
+                  <a:tcPr/>
+                </a:tc>
+                <a:extLst>
+                  <a:ext uri="{0D108BD9-81ED-4DB2-BD59-A6C34878D82A}">
+                    <a16:rowId xmlns:a16="http://schemas.microsoft.com/office/drawing/2014/main" val="3625897180"/>
+                  </a:ext>
+                </a:extLst>
+              </a:tr>
+              <a:tr h="370376">
+                <a:tc>
+                  <a:txBody>
+                    <a:bodyPr/>
+                    <a:lstStyle/>
+                    <a:p>
+                      <a:r>
+                        <a:rPr lang="de-DE" sz="1400" dirty="0"/>
+                        <a:t>6 </a:t>
+                      </a:r>
+                      <a:r>
+                        <a:rPr lang="de-DE" sz="1400" dirty="0" err="1"/>
+                        <a:t>Annotations</a:t>
+                      </a:r>
+                      <a:endParaRPr lang="de-AT" sz="1400" dirty="0"/>
+                    </a:p>
+                  </a:txBody>
+                  <a:tcPr/>
+                </a:tc>
+                <a:tc>
+                  <a:txBody>
+                    <a:bodyPr/>
+                    <a:lstStyle/>
+                    <a:p>
+                      <a:pPr algn="r"/>
+                      <a:r>
+                        <a:rPr lang="de-DE" sz="1400" dirty="0"/>
+                        <a:t>45,600</a:t>
+                      </a:r>
+                      <a:endParaRPr lang="de-AT" sz="1400" dirty="0"/>
+                    </a:p>
+                  </a:txBody>
+                  <a:tcPr/>
+                </a:tc>
+                <a:tc>
+                  <a:txBody>
+                    <a:bodyPr/>
+                    <a:lstStyle/>
+                    <a:p>
+                      <a:r>
+                        <a:rPr lang="de-DE" sz="1400" dirty="0"/>
+                        <a:t>4/6</a:t>
+                      </a:r>
+                      <a:endParaRPr lang="de-AT" sz="1400" dirty="0"/>
+                    </a:p>
+                  </a:txBody>
+                  <a:tcPr/>
+                </a:tc>
+                <a:tc>
+                  <a:txBody>
+                    <a:bodyPr/>
+                    <a:lstStyle/>
+                    <a:p>
+                      <a:pPr algn="r"/>
+                      <a:r>
+                        <a:rPr lang="de-DE" sz="1400" dirty="0"/>
+                        <a:t>38,380</a:t>
+                      </a:r>
+                      <a:endParaRPr lang="de-AT" sz="1400" dirty="0"/>
+                    </a:p>
+                  </a:txBody>
+                  <a:tcPr/>
+                </a:tc>
+                <a:tc>
+                  <a:txBody>
+                    <a:bodyPr/>
+                    <a:lstStyle/>
+                    <a:p>
+                      <a:pPr algn="r"/>
+                      <a:r>
+                        <a:rPr lang="de-DE" sz="1400" dirty="0"/>
+                        <a:t>7,220</a:t>
+                      </a:r>
+                      <a:endParaRPr lang="de-AT" sz="1400" dirty="0"/>
+                    </a:p>
+                  </a:txBody>
+                  <a:tcPr/>
+                </a:tc>
+                <a:extLst>
+                  <a:ext uri="{0D108BD9-81ED-4DB2-BD59-A6C34878D82A}">
+                    <a16:rowId xmlns:a16="http://schemas.microsoft.com/office/drawing/2014/main" val="434717558"/>
+                  </a:ext>
+                </a:extLst>
+              </a:tr>
+              <a:tr h="370376">
+                <a:tc>
+                  <a:txBody>
+                    <a:bodyPr/>
+                    <a:lstStyle/>
+                    <a:p>
+                      <a:r>
+                        <a:rPr lang="de-DE" sz="1400" dirty="0"/>
+                        <a:t>7 </a:t>
+                      </a:r>
+                      <a:r>
+                        <a:rPr lang="de-DE" sz="1400" dirty="0" err="1"/>
+                        <a:t>Annotations</a:t>
+                      </a:r>
+                      <a:endParaRPr lang="de-AT" sz="1400" dirty="0"/>
+                    </a:p>
+                  </a:txBody>
+                  <a:tcPr/>
+                </a:tc>
+                <a:tc>
+                  <a:txBody>
+                    <a:bodyPr/>
+                    <a:lstStyle/>
+                    <a:p>
+                      <a:pPr algn="r"/>
+                      <a:r>
+                        <a:rPr lang="de-DE" sz="1400" dirty="0"/>
+                        <a:t>60,600</a:t>
+                      </a:r>
+                      <a:endParaRPr lang="de-AT" sz="1400" dirty="0"/>
+                    </a:p>
+                  </a:txBody>
+                  <a:tcPr/>
+                </a:tc>
+                <a:tc>
+                  <a:txBody>
+                    <a:bodyPr/>
+                    <a:lstStyle/>
+                    <a:p>
+                      <a:r>
+                        <a:rPr lang="de-DE" sz="1400" dirty="0"/>
+                        <a:t>5/7</a:t>
+                      </a:r>
+                      <a:endParaRPr lang="de-AT" sz="1400" dirty="0"/>
+                    </a:p>
+                  </a:txBody>
+                  <a:tcPr/>
+                </a:tc>
+                <a:tc>
+                  <a:txBody>
+                    <a:bodyPr/>
+                    <a:lstStyle/>
+                    <a:p>
+                      <a:pPr algn="r"/>
+                      <a:r>
+                        <a:rPr lang="de-DE" sz="1400" dirty="0"/>
+                        <a:t>49,125</a:t>
+                      </a:r>
+                      <a:endParaRPr lang="de-AT" sz="1400" dirty="0"/>
+                    </a:p>
+                  </a:txBody>
+                  <a:tcPr/>
+                </a:tc>
+                <a:tc>
+                  <a:txBody>
+                    <a:bodyPr/>
+                    <a:lstStyle/>
+                    <a:p>
+                      <a:pPr algn="r"/>
+                      <a:r>
+                        <a:rPr lang="de-DE" sz="1400" dirty="0"/>
+                        <a:t>11,475</a:t>
+                      </a:r>
+                      <a:endParaRPr lang="de-AT" sz="1400" dirty="0"/>
+                    </a:p>
+                  </a:txBody>
+                  <a:tcPr/>
+                </a:tc>
+                <a:extLst>
+                  <a:ext uri="{0D108BD9-81ED-4DB2-BD59-A6C34878D82A}">
+                    <a16:rowId xmlns:a16="http://schemas.microsoft.com/office/drawing/2014/main" val="2335611668"/>
+                  </a:ext>
+                </a:extLst>
+              </a:tr>
+              <a:tr h="370376">
+                <a:tc>
+                  <a:txBody>
+                    <a:bodyPr/>
+                    <a:lstStyle/>
+                    <a:p>
+                      <a:r>
+                        <a:rPr lang="de-DE" sz="1400" dirty="0"/>
+                        <a:t>Total</a:t>
+                      </a:r>
+                    </a:p>
+                  </a:txBody>
+                  <a:tcPr/>
+                </a:tc>
+                <a:tc>
+                  <a:txBody>
+                    <a:bodyPr/>
+                    <a:lstStyle/>
+                    <a:p>
+                      <a:pPr algn="r"/>
+                      <a:r>
+                        <a:rPr lang="de-DE" sz="1400" dirty="0"/>
+                        <a:t>120,000</a:t>
+                      </a:r>
+                      <a:endParaRPr lang="de-AT" sz="1400" dirty="0"/>
+                    </a:p>
+                  </a:txBody>
+                  <a:tcPr/>
+                </a:tc>
+                <a:tc>
+                  <a:txBody>
+                    <a:bodyPr/>
+                    <a:lstStyle/>
+                    <a:p>
+                      <a:endParaRPr lang="de-DE" sz="1400" dirty="0"/>
+                    </a:p>
+                  </a:txBody>
+                  <a:tcPr/>
+                </a:tc>
+                <a:tc>
+                  <a:txBody>
+                    <a:bodyPr/>
+                    <a:lstStyle/>
+                    <a:p>
+                      <a:pPr algn="r"/>
+                      <a:r>
+                        <a:rPr lang="de-DE" sz="1400" dirty="0"/>
+                        <a:t>99,748</a:t>
+                      </a:r>
+                      <a:endParaRPr lang="de-AT" sz="1400" dirty="0"/>
+                    </a:p>
+                  </a:txBody>
+                  <a:tcPr/>
+                </a:tc>
+                <a:tc>
+                  <a:txBody>
+                    <a:bodyPr/>
+                    <a:lstStyle/>
+                    <a:p>
+                      <a:pPr algn="r"/>
+                      <a:r>
+                        <a:rPr lang="de-DE" sz="1400" dirty="0"/>
+                        <a:t>20,252</a:t>
+                      </a:r>
+                      <a:endParaRPr lang="de-AT" sz="1400" dirty="0"/>
+                    </a:p>
+                  </a:txBody>
+                  <a:tcPr/>
+                </a:tc>
+                <a:extLst>
+                  <a:ext uri="{0D108BD9-81ED-4DB2-BD59-A6C34878D82A}">
+                    <a16:rowId xmlns:a16="http://schemas.microsoft.com/office/drawing/2014/main" val="1515635291"/>
+                  </a:ext>
+                </a:extLst>
+              </a:tr>
+            </a:tbl>
+          </a:graphicData>
+        </a:graphic>
+      </p:graphicFrame>
+    </p:spTree>
+    <p:extLst>
+      <p:ext uri="{BB962C8B-B14F-4D97-AF65-F5344CB8AC3E}">
+        <p14:creationId xmlns:p14="http://schemas.microsoft.com/office/powerpoint/2010/main" val="981419773"/>
+      </p:ext>
+    </p:extLst>
+  </p:cSld>
+  <p:clrMapOvr>
+    <a:masterClrMapping/>
+  </p:clrMapOvr>
+</p:sld>
+</file>
+
+<file path=ppt/slides/slide6.xml><?xml version="1.0" encoding="utf-8"?>
+<p:sld xmlns:a="http://schemas.openxmlformats.org/drawingml/2006/main" xmlns:r="http://schemas.openxmlformats.org/officeDocument/2006/relationships" xmlns:p="http://schemas.openxmlformats.org/presentationml/2006/main">
+  <p:cSld>
+    <p:spTree>
+      <p:nvGrpSpPr>
+        <p:cNvPr id="1" name=""/>
+        <p:cNvGrpSpPr/>
+        <p:nvPr/>
+      </p:nvGrpSpPr>
+      <p:grpSpPr>
+        <a:xfrm>
+          <a:off x="0" y="0"/>
+          <a:ext cx="0" cy="0"/>
+          <a:chOff x="0" y="0"/>
+          <a:chExt cx="0" cy="0"/>
+        </a:xfrm>
+      </p:grpSpPr>
+      <p:sp>
+        <p:nvSpPr>
           <p:cNvPr id="2" name="Title 1">
             <a:extLst>
               <a:ext uri="{FF2B5EF4-FFF2-40B4-BE49-F238E27FC236}">
@@ -5240,7 +6340,7 @@
 </p:sld>
 </file>
 
-<file path=ppt/slides/slide6.xml><?xml version="1.0" encoding="utf-8"?>
+<file path=ppt/slides/slide7.xml><?xml version="1.0" encoding="utf-8"?>
 <p:sld xmlns:a="http://schemas.openxmlformats.org/drawingml/2006/main" xmlns:r="http://schemas.openxmlformats.org/officeDocument/2006/relationships" xmlns:p="http://schemas.openxmlformats.org/presentationml/2006/main">
   <p:cSld>
     <p:spTree>
@@ -5595,161 +6695,6 @@
 </p:sld>
 </file>
 
-<file path=ppt/slides/slide7.xml><?xml version="1.0" encoding="utf-8"?>
-<p:sld xmlns:a="http://schemas.openxmlformats.org/drawingml/2006/main" xmlns:r="http://schemas.openxmlformats.org/officeDocument/2006/relationships" xmlns:p="http://schemas.openxmlformats.org/presentationml/2006/main">
-  <p:cSld>
-    <p:spTree>
-      <p:nvGrpSpPr>
-        <p:cNvPr id="1" name=""/>
-        <p:cNvGrpSpPr/>
-        <p:nvPr/>
-      </p:nvGrpSpPr>
-      <p:grpSpPr>
-        <a:xfrm>
-          <a:off x="0" y="0"/>
-          <a:ext cx="0" cy="0"/>
-          <a:chOff x="0" y="0"/>
-          <a:chExt cx="0" cy="0"/>
-        </a:xfrm>
-      </p:grpSpPr>
-      <p:sp>
-        <p:nvSpPr>
-          <p:cNvPr id="2" name="Titel 1">
-            <a:extLst>
-              <a:ext uri="{FF2B5EF4-FFF2-40B4-BE49-F238E27FC236}">
-                <a16:creationId xmlns:a16="http://schemas.microsoft.com/office/drawing/2014/main" id="{558037CC-B08A-363F-4884-0A66AE35D302}"/>
-              </a:ext>
-            </a:extLst>
-          </p:cNvPr>
-          <p:cNvSpPr>
-            <a:spLocks noGrp="1"/>
-          </p:cNvSpPr>
-          <p:nvPr>
-            <p:ph type="title"/>
-          </p:nvPr>
-        </p:nvSpPr>
-        <p:spPr/>
-        <p:txBody>
-          <a:bodyPr/>
-          <a:lstStyle/>
-          <a:p>
-            <a:r>
-              <a:rPr lang="en-GB" dirty="0"/>
-              <a:t>KNN: Parameter Grid Search / best parameters</a:t>
-            </a:r>
-          </a:p>
-        </p:txBody>
-      </p:sp>
-      <p:sp>
-        <p:nvSpPr>
-          <p:cNvPr id="3" name="Inhaltsplatzhalter 2">
-            <a:extLst>
-              <a:ext uri="{FF2B5EF4-FFF2-40B4-BE49-F238E27FC236}">
-                <a16:creationId xmlns:a16="http://schemas.microsoft.com/office/drawing/2014/main" id="{EE355703-50C6-E35D-362A-E1CE98C10D53}"/>
-              </a:ext>
-            </a:extLst>
-          </p:cNvPr>
-          <p:cNvSpPr>
-            <a:spLocks noGrp="1"/>
-          </p:cNvSpPr>
-          <p:nvPr>
-            <p:ph sz="half" idx="1"/>
-          </p:nvPr>
-        </p:nvSpPr>
-        <p:spPr>
-          <a:xfrm>
-            <a:off x="838200" y="1825625"/>
-            <a:ext cx="10515600" cy="4351338"/>
-          </a:xfrm>
-        </p:spPr>
-        <p:txBody>
-          <a:bodyPr>
-            <a:normAutofit fontScale="92500"/>
-          </a:bodyPr>
-          <a:lstStyle/>
-          <a:p>
-            <a:r>
-              <a:rPr lang="en-GB" dirty="0"/>
-              <a:t>Number of features:</a:t>
-            </a:r>
-          </a:p>
-          <a:p>
-            <a:pPr lvl="1"/>
-            <a:r>
-              <a:rPr lang="en-GB" dirty="0"/>
-              <a:t>Several different numbers of features were tried </a:t>
-            </a:r>
-          </a:p>
-          <a:p>
-            <a:pPr lvl="1"/>
-            <a:r>
-              <a:rPr lang="en-GB" dirty="0"/>
-              <a:t>For 50 features the performance was already rather good</a:t>
-            </a:r>
-          </a:p>
-          <a:p>
-            <a:pPr lvl="1"/>
-            <a:r>
-              <a:rPr lang="en-GB" dirty="0"/>
-              <a:t>Using more features only increased the performance by a bit but heavily increased the training and prediction time</a:t>
-            </a:r>
-          </a:p>
-          <a:p>
-            <a:r>
-              <a:rPr lang="en-GB" dirty="0"/>
-              <a:t>For “number of neighbours”, “weights” and “algorithm” a Randomized Search was performed to find the best combination of parameters</a:t>
-            </a:r>
-          </a:p>
-          <a:p>
-            <a:r>
-              <a:rPr lang="en-GB" dirty="0"/>
-              <a:t>Options for Randomized Search:</a:t>
-            </a:r>
-          </a:p>
-          <a:p>
-            <a:pPr lvl="1"/>
-            <a:r>
-              <a:rPr lang="en-GB" dirty="0"/>
-              <a:t>Number of neighbours: [5, 10, 12, 16,18]</a:t>
-            </a:r>
-          </a:p>
-          <a:p>
-            <a:pPr lvl="1"/>
-            <a:r>
-              <a:rPr lang="en-GB" dirty="0"/>
-              <a:t>Weights: [uniform, distance]</a:t>
-            </a:r>
-          </a:p>
-          <a:p>
-            <a:pPr lvl="1"/>
-            <a:r>
-              <a:rPr lang="en-GB" dirty="0"/>
-              <a:t>Algorithm: [auto, ball tree, </a:t>
-            </a:r>
-            <a:r>
-              <a:rPr lang="en-GB" dirty="0" err="1"/>
-              <a:t>kd</a:t>
-            </a:r>
-            <a:r>
-              <a:rPr lang="en-GB" dirty="0"/>
-              <a:t> tree, brute]</a:t>
-            </a:r>
-          </a:p>
-        </p:txBody>
-      </p:sp>
-    </p:spTree>
-    <p:extLst>
-      <p:ext uri="{BB962C8B-B14F-4D97-AF65-F5344CB8AC3E}">
-        <p14:creationId xmlns:p14="http://schemas.microsoft.com/office/powerpoint/2010/main" val="596370569"/>
-      </p:ext>
-    </p:extLst>
-  </p:cSld>
-  <p:clrMapOvr>
-    <a:masterClrMapping/>
-  </p:clrMapOvr>
-</p:sld>
-</file>
-
 <file path=ppt/slides/slide8.xml><?xml version="1.0" encoding="utf-8"?>
 <p:sld xmlns:a="http://schemas.openxmlformats.org/drawingml/2006/main" xmlns:r="http://schemas.openxmlformats.org/officeDocument/2006/relationships" xmlns:p="http://schemas.openxmlformats.org/presentationml/2006/main">
   <p:cSld>
@@ -5772,7 +6717,7 @@
           <p:cNvPr id="2" name="Titel 1">
             <a:extLst>
               <a:ext uri="{FF2B5EF4-FFF2-40B4-BE49-F238E27FC236}">
-                <a16:creationId xmlns:a16="http://schemas.microsoft.com/office/drawing/2014/main" id="{7AA55654-C912-2FF1-58D0-B46AB6D36041}"/>
+                <a16:creationId xmlns:a16="http://schemas.microsoft.com/office/drawing/2014/main" id="{558037CC-B08A-363F-4884-0A66AE35D302}"/>
               </a:ext>
             </a:extLst>
           </p:cNvPr>
@@ -5800,25 +6745,94 @@
           <p:cNvPr id="3" name="Inhaltsplatzhalter 2">
             <a:extLst>
               <a:ext uri="{FF2B5EF4-FFF2-40B4-BE49-F238E27FC236}">
-                <a16:creationId xmlns:a16="http://schemas.microsoft.com/office/drawing/2014/main" id="{9D44BF15-FD9D-6978-0704-291A54BCFDBF}"/>
-              </a:ext>
-            </a:extLst>
-          </p:cNvPr>
-          <p:cNvSpPr>
-            <a:spLocks noGrp="1"/>
-          </p:cNvSpPr>
-          <p:nvPr>
-            <p:ph idx="1"/>
-          </p:nvPr>
-        </p:nvSpPr>
-        <p:spPr/>
-        <p:txBody>
-          <a:bodyPr/>
+                <a16:creationId xmlns:a16="http://schemas.microsoft.com/office/drawing/2014/main" id="{EE355703-50C6-E35D-362A-E1CE98C10D53}"/>
+              </a:ext>
+            </a:extLst>
+          </p:cNvPr>
+          <p:cNvSpPr>
+            <a:spLocks noGrp="1"/>
+          </p:cNvSpPr>
+          <p:nvPr>
+            <p:ph sz="half" idx="1"/>
+          </p:nvPr>
+        </p:nvSpPr>
+        <p:spPr>
+          <a:xfrm>
+            <a:off x="838200" y="1825625"/>
+            <a:ext cx="10515600" cy="4351338"/>
+          </a:xfrm>
+        </p:spPr>
+        <p:txBody>
+          <a:bodyPr>
+            <a:normAutofit fontScale="92500"/>
+          </a:bodyPr>
           <a:lstStyle/>
           <a:p>
             <a:r>
               <a:rPr lang="en-GB" dirty="0"/>
-              <a:t>Best parameters:</a:t>
+              <a:t>Number of features:</a:t>
+            </a:r>
+          </a:p>
+          <a:p>
+            <a:pPr lvl="1"/>
+            <a:r>
+              <a:rPr lang="en-GB" dirty="0"/>
+              <a:t>Several different numbers of features were tried </a:t>
+            </a:r>
+          </a:p>
+          <a:p>
+            <a:pPr lvl="1"/>
+            <a:r>
+              <a:rPr lang="en-GB" dirty="0"/>
+              <a:t>For 50 features the performance was already rather good</a:t>
+            </a:r>
+          </a:p>
+          <a:p>
+            <a:pPr lvl="1"/>
+            <a:r>
+              <a:rPr lang="en-GB" dirty="0"/>
+              <a:t>Using more features only increased the performance by a bit but heavily increased the training and prediction time</a:t>
+            </a:r>
+          </a:p>
+          <a:p>
+            <a:r>
+              <a:rPr lang="en-GB" dirty="0"/>
+              <a:t>For “number of neighbours”, “weights” and “algorithm” a Randomized Search was performed to find the best combination of parameters</a:t>
+            </a:r>
+          </a:p>
+          <a:p>
+            <a:r>
+              <a:rPr lang="en-GB" dirty="0"/>
+              <a:t>Options for Randomized Search:</a:t>
+            </a:r>
+          </a:p>
+          <a:p>
+            <a:pPr lvl="1"/>
+            <a:r>
+              <a:rPr lang="en-GB" dirty="0"/>
+              <a:t>Number of neighbours: [5, 10, 12, 16,18]</a:t>
+            </a:r>
+          </a:p>
+          <a:p>
+            <a:pPr lvl="1"/>
+            <a:r>
+              <a:rPr lang="en-GB" dirty="0"/>
+              <a:t>Weights: [uniform, distance]</a:t>
+            </a:r>
+          </a:p>
+          <a:p>
+            <a:pPr lvl="1"/>
+            <a:r>
+              <a:rPr lang="en-GB" dirty="0"/>
+              <a:t>Algorithm: [auto, ball tree, </a:t>
+            </a:r>
+            <a:r>
+              <a:rPr lang="en-GB" dirty="0" err="1"/>
+              <a:t>kd</a:t>
+            </a:r>
+            <a:r>
+              <a:rPr lang="en-GB" dirty="0"/>
+              <a:t> tree, brute]</a:t>
             </a:r>
           </a:p>
         </p:txBody>
@@ -5826,7 +6840,7 @@
     </p:spTree>
     <p:extLst>
       <p:ext uri="{BB962C8B-B14F-4D97-AF65-F5344CB8AC3E}">
-        <p14:creationId xmlns:p14="http://schemas.microsoft.com/office/powerpoint/2010/main" val="2636019066"/>
+        <p14:creationId xmlns:p14="http://schemas.microsoft.com/office/powerpoint/2010/main" val="596370569"/>
       </p:ext>
     </p:extLst>
   </p:cSld>
@@ -5858,7 +6872,7 @@
           <p:cNvPr id="2" name="Titel 1">
             <a:extLst>
               <a:ext uri="{FF2B5EF4-FFF2-40B4-BE49-F238E27FC236}">
-                <a16:creationId xmlns:a16="http://schemas.microsoft.com/office/drawing/2014/main" id="{D0E05852-19AE-038D-0D95-68153D3D5FDF}"/>
+                <a16:creationId xmlns:a16="http://schemas.microsoft.com/office/drawing/2014/main" id="{7AA55654-C912-2FF1-58D0-B46AB6D36041}"/>
               </a:ext>
             </a:extLst>
           </p:cNvPr>
@@ -5876,25 +6890,25 @@
           <a:p>
             <a:r>
               <a:rPr lang="en-GB" dirty="0"/>
-              <a:t>KNN: Results </a:t>
-            </a:r>
-          </a:p>
-        </p:txBody>
-      </p:sp>
-      <p:sp>
-        <p:nvSpPr>
-          <p:cNvPr id="4" name="Inhaltsplatzhalter 3">
-            <a:extLst>
-              <a:ext uri="{FF2B5EF4-FFF2-40B4-BE49-F238E27FC236}">
-                <a16:creationId xmlns:a16="http://schemas.microsoft.com/office/drawing/2014/main" id="{9C19452B-4E59-C18A-650B-6DA66E982236}"/>
-              </a:ext>
-            </a:extLst>
-          </p:cNvPr>
-          <p:cNvSpPr>
-            <a:spLocks noGrp="1"/>
-          </p:cNvSpPr>
-          <p:nvPr>
-            <p:ph sz="half" idx="2"/>
+              <a:t>KNN: Parameter Grid Search / best parameters</a:t>
+            </a:r>
+          </a:p>
+        </p:txBody>
+      </p:sp>
+      <p:sp>
+        <p:nvSpPr>
+          <p:cNvPr id="3" name="Inhaltsplatzhalter 2">
+            <a:extLst>
+              <a:ext uri="{FF2B5EF4-FFF2-40B4-BE49-F238E27FC236}">
+                <a16:creationId xmlns:a16="http://schemas.microsoft.com/office/drawing/2014/main" id="{9D44BF15-FD9D-6978-0704-291A54BCFDBF}"/>
+              </a:ext>
+            </a:extLst>
+          </p:cNvPr>
+          <p:cNvSpPr>
+            <a:spLocks noGrp="1"/>
+          </p:cNvSpPr>
+          <p:nvPr>
+            <p:ph idx="1"/>
           </p:nvPr>
         </p:nvSpPr>
         <p:spPr/>
@@ -5902,43 +6916,17 @@
           <a:bodyPr/>
           <a:lstStyle/>
           <a:p>
-            <a:endParaRPr lang="en-GB" dirty="0"/>
-          </a:p>
-        </p:txBody>
-      </p:sp>
-      <p:pic>
-        <p:nvPicPr>
-          <p:cNvPr id="7" name="Inhaltsplatzhalter 6">
-            <a:extLst>
-              <a:ext uri="{FF2B5EF4-FFF2-40B4-BE49-F238E27FC236}">
-                <a16:creationId xmlns:a16="http://schemas.microsoft.com/office/drawing/2014/main" id="{628C84FC-FA60-9207-0A8E-7EFC4A07400E}"/>
-              </a:ext>
-            </a:extLst>
-          </p:cNvPr>
-          <p:cNvPicPr>
-            <a:picLocks noGrp="1" noChangeAspect="1"/>
-          </p:cNvPicPr>
-          <p:nvPr>
-            <p:ph sz="half" idx="1"/>
-          </p:nvPr>
-        </p:nvPicPr>
-        <p:blipFill>
-          <a:blip r:embed="rId2"/>
-          <a:stretch>
-            <a:fillRect/>
-          </a:stretch>
-        </p:blipFill>
-        <p:spPr>
-          <a:xfrm>
-            <a:off x="1194980" y="1825625"/>
-            <a:ext cx="4040527" cy="4351338"/>
-          </a:xfrm>
-        </p:spPr>
-      </p:pic>
+            <a:r>
+              <a:rPr lang="en-GB" dirty="0"/>
+              <a:t>Best parameters:</a:t>
+            </a:r>
+          </a:p>
+        </p:txBody>
+      </p:sp>
     </p:spTree>
     <p:extLst>
       <p:ext uri="{BB962C8B-B14F-4D97-AF65-F5344CB8AC3E}">
-        <p14:creationId xmlns:p14="http://schemas.microsoft.com/office/powerpoint/2010/main" val="4100155615"/>
+        <p14:creationId xmlns:p14="http://schemas.microsoft.com/office/powerpoint/2010/main" val="2636019066"/>
       </p:ext>
     </p:extLst>
   </p:cSld>
